--- a/Apresentação.pptx
+++ b/Apresentação.pptx
@@ -5,7 +5,7 @@
     <p:sldMasterId id="2147483659" r:id="rId1"/>
   </p:sldMasterIdLst>
   <p:notesMasterIdLst>
-    <p:notesMasterId r:id="rId18"/>
+    <p:notesMasterId r:id="rId38"/>
   </p:notesMasterIdLst>
   <p:sldIdLst>
     <p:sldId id="256" r:id="rId2"/>
@@ -24,21 +24,41 @@
     <p:sldId id="269" r:id="rId15"/>
     <p:sldId id="270" r:id="rId16"/>
     <p:sldId id="271" r:id="rId17"/>
+    <p:sldId id="272" r:id="rId18"/>
+    <p:sldId id="273" r:id="rId19"/>
+    <p:sldId id="274" r:id="rId20"/>
+    <p:sldId id="275" r:id="rId21"/>
+    <p:sldId id="276" r:id="rId22"/>
+    <p:sldId id="277" r:id="rId23"/>
+    <p:sldId id="278" r:id="rId24"/>
+    <p:sldId id="279" r:id="rId25"/>
+    <p:sldId id="282" r:id="rId26"/>
+    <p:sldId id="283" r:id="rId27"/>
+    <p:sldId id="281" r:id="rId28"/>
+    <p:sldId id="280" r:id="rId29"/>
+    <p:sldId id="284" r:id="rId30"/>
+    <p:sldId id="285" r:id="rId31"/>
+    <p:sldId id="286" r:id="rId32"/>
+    <p:sldId id="287" r:id="rId33"/>
+    <p:sldId id="288" r:id="rId34"/>
+    <p:sldId id="289" r:id="rId35"/>
+    <p:sldId id="290" r:id="rId36"/>
+    <p:sldId id="291" r:id="rId37"/>
   </p:sldIdLst>
   <p:sldSz cx="9144000" cy="5143500" type="screen16x9"/>
   <p:notesSz cx="6858000" cy="9144000"/>
   <p:embeddedFontLst>
     <p:embeddedFont>
       <p:font typeface="Dosis ExtraLight" charset="0"/>
-      <p:regular r:id="rId19"/>
-      <p:bold r:id="rId20"/>
+      <p:regular r:id="rId39"/>
+      <p:bold r:id="rId40"/>
     </p:embeddedFont>
     <p:embeddedFont>
       <p:font typeface="Titillium Web Light" charset="0"/>
-      <p:regular r:id="rId21"/>
-      <p:bold r:id="rId22"/>
-      <p:italic r:id="rId23"/>
-      <p:boldItalic r:id="rId24"/>
+      <p:regular r:id="rId41"/>
+      <p:bold r:id="rId42"/>
+      <p:italic r:id="rId43"/>
+      <p:boldItalic r:id="rId44"/>
     </p:embeddedFont>
   </p:embeddedFontLst>
   <p:defaultTextStyle>
@@ -35194,11 +35214,7 @@
           <a:p>
             <a:r>
               <a:rPr lang="pt-BR" sz="3600" dirty="0" smtClean="0"/>
-              <a:t>Exercício </a:t>
-            </a:r>
-            <a:r>
-              <a:rPr lang="pt-BR" sz="3600" dirty="0" smtClean="0"/>
-              <a:t>003</a:t>
+              <a:t>Exercício 003</a:t>
             </a:r>
             <a:endParaRPr lang="pt-BR" sz="3600" dirty="0"/>
           </a:p>
@@ -35236,8 +35252,97 @@
                   </a:schemeClr>
                 </a:solidFill>
               </a:rPr>
-              <a:t>Calcular a média aritmética entre quatro nú</a:t>
+              <a:t>Calcular a média aritmética entre quatro números. </a:t>
             </a:r>
+            <a:endParaRPr lang="pt-BR" dirty="0">
+              <a:solidFill>
+                <a:schemeClr val="accent2">
+                  <a:lumMod val="40000"/>
+                  <a:lumOff val="60000"/>
+                </a:schemeClr>
+              </a:solidFill>
+            </a:endParaRPr>
+          </a:p>
+        </p:txBody>
+      </p:sp>
+    </p:spTree>
+  </p:cSld>
+  <p:clrMapOvr>
+    <a:masterClrMapping/>
+  </p:clrMapOvr>
+  <p:timing>
+    <p:tnLst>
+      <p:par>
+        <p:cTn id="1" dur="indefinite" restart="never" nodeType="tmRoot"/>
+      </p:par>
+    </p:tnLst>
+  </p:timing>
+</p:sld>
+</file>
+
+<file path=ppt/slides/slide17.xml><?xml version="1.0" encoding="utf-8"?>
+<p:sld xmlns:a="http://schemas.openxmlformats.org/drawingml/2006/main" xmlns:r="http://schemas.openxmlformats.org/officeDocument/2006/relationships" xmlns:p="http://schemas.openxmlformats.org/presentationml/2006/main">
+  <p:cSld>
+    <p:spTree>
+      <p:nvGrpSpPr>
+        <p:cNvPr id="1" name=""/>
+        <p:cNvGrpSpPr/>
+        <p:nvPr/>
+      </p:nvGrpSpPr>
+      <p:grpSpPr>
+        <a:xfrm>
+          <a:off x="0" y="0"/>
+          <a:ext cx="0" cy="0"/>
+          <a:chOff x="0" y="0"/>
+          <a:chExt cx="0" cy="0"/>
+        </a:xfrm>
+      </p:grpSpPr>
+      <p:sp>
+        <p:nvSpPr>
+          <p:cNvPr id="2" name="Título 1"/>
+          <p:cNvSpPr>
+            <a:spLocks noGrp="1"/>
+          </p:cNvSpPr>
+          <p:nvPr>
+            <p:ph type="ctrTitle"/>
+          </p:nvPr>
+        </p:nvSpPr>
+        <p:spPr/>
+        <p:txBody>
+          <a:bodyPr/>
+          <a:lstStyle/>
+          <a:p>
+            <a:r>
+              <a:rPr lang="pt-BR" sz="3600" dirty="0" smtClean="0"/>
+              <a:t>Estruturas de seleção</a:t>
+            </a:r>
+            <a:endParaRPr lang="pt-BR" sz="3600" dirty="0"/>
+          </a:p>
+        </p:txBody>
+      </p:sp>
+      <p:sp>
+        <p:nvSpPr>
+          <p:cNvPr id="3" name="CaixaDeTexto 2"/>
+          <p:cNvSpPr txBox="1"/>
+          <p:nvPr/>
+        </p:nvSpPr>
+        <p:spPr>
+          <a:xfrm>
+            <a:off x="323528" y="2067694"/>
+            <a:ext cx="6048672" cy="1169551"/>
+          </a:xfrm>
+          <a:prstGeom prst="rect">
+            <a:avLst/>
+          </a:prstGeom>
+          <a:noFill/>
+        </p:spPr>
+        <p:txBody>
+          <a:bodyPr wrap="square" rtlCol="0">
+            <a:spAutoFit/>
+          </a:bodyPr>
+          <a:lstStyle/>
+          <a:p>
+            <a:pPr algn="just"/>
             <a:r>
               <a:rPr lang="pt-BR" dirty="0" smtClean="0">
                 <a:solidFill>
@@ -35247,8 +35352,17 @@
                   </a:schemeClr>
                 </a:solidFill>
               </a:rPr>
-              <a:t>m</a:t>
+              <a:t>Divididas  em dois tipos:</a:t>
             </a:r>
+          </a:p>
+          <a:p>
+            <a:pPr algn="just">
+              <a:buClr>
+                <a:schemeClr val="bg1"/>
+              </a:buClr>
+              <a:buFont typeface="Wingdings" pitchFamily="2" charset="2"/>
+              <a:buChar char="q"/>
+            </a:pPr>
             <a:r>
               <a:rPr lang="pt-BR" dirty="0" smtClean="0">
                 <a:solidFill>
@@ -35258,7 +35372,328 @@
                   </a:schemeClr>
                 </a:solidFill>
               </a:rPr>
-              <a:t>eros. </a:t>
+              <a:t>Simples</a:t>
+            </a:r>
+          </a:p>
+          <a:p>
+            <a:pPr algn="just">
+              <a:buClr>
+                <a:schemeClr val="bg1"/>
+              </a:buClr>
+              <a:buFont typeface="Wingdings" pitchFamily="2" charset="2"/>
+              <a:buChar char="q"/>
+            </a:pPr>
+            <a:r>
+              <a:rPr lang="pt-BR" dirty="0" smtClean="0">
+                <a:solidFill>
+                  <a:schemeClr val="accent2">
+                    <a:lumMod val="40000"/>
+                    <a:lumOff val="60000"/>
+                  </a:schemeClr>
+                </a:solidFill>
+              </a:rPr>
+              <a:t>Composta</a:t>
+            </a:r>
+          </a:p>
+          <a:p>
+            <a:pPr algn="just">
+              <a:buClr>
+                <a:schemeClr val="bg1"/>
+              </a:buClr>
+              <a:buFont typeface="Wingdings" pitchFamily="2" charset="2"/>
+              <a:buChar char="q"/>
+            </a:pPr>
+            <a:endParaRPr lang="pt-BR" dirty="0" smtClean="0">
+              <a:solidFill>
+                <a:schemeClr val="accent2">
+                  <a:lumMod val="40000"/>
+                  <a:lumOff val="60000"/>
+                </a:schemeClr>
+              </a:solidFill>
+            </a:endParaRPr>
+          </a:p>
+          <a:p>
+            <a:pPr algn="just">
+              <a:buClr>
+                <a:schemeClr val="bg1"/>
+              </a:buClr>
+            </a:pPr>
+            <a:r>
+              <a:rPr lang="pt-BR" dirty="0" smtClean="0">
+                <a:solidFill>
+                  <a:schemeClr val="accent2">
+                    <a:lumMod val="40000"/>
+                    <a:lumOff val="60000"/>
+                  </a:schemeClr>
+                </a:solidFill>
+              </a:rPr>
+              <a:t>É um tipo de caminhos alternativos ao fluxo normal do programa.</a:t>
+            </a:r>
+            <a:endParaRPr lang="pt-BR" dirty="0">
+              <a:solidFill>
+                <a:schemeClr val="accent2">
+                  <a:lumMod val="40000"/>
+                  <a:lumOff val="60000"/>
+                </a:schemeClr>
+              </a:solidFill>
+            </a:endParaRPr>
+          </a:p>
+        </p:txBody>
+      </p:sp>
+      <p:sp>
+        <p:nvSpPr>
+          <p:cNvPr id="4" name="CaixaDeTexto 3"/>
+          <p:cNvSpPr txBox="1"/>
+          <p:nvPr/>
+        </p:nvSpPr>
+        <p:spPr>
+          <a:xfrm>
+            <a:off x="1619672" y="3347576"/>
+            <a:ext cx="3240360" cy="1600438"/>
+          </a:xfrm>
+          <a:prstGeom prst="rect">
+            <a:avLst/>
+          </a:prstGeom>
+          <a:noFill/>
+          <a:ln>
+            <a:solidFill>
+              <a:schemeClr val="tx1"/>
+            </a:solidFill>
+            <a:prstDash val="dash"/>
+          </a:ln>
+          <a:scene3d>
+            <a:camera prst="orthographicFront"/>
+            <a:lightRig rig="threePt" dir="t"/>
+          </a:scene3d>
+          <a:sp3d contourW="12700">
+            <a:bevelT/>
+            <a:contourClr>
+              <a:schemeClr val="bg1"/>
+            </a:contourClr>
+          </a:sp3d>
+        </p:spPr>
+        <p:txBody>
+          <a:bodyPr wrap="square" rtlCol="0">
+            <a:spAutoFit/>
+          </a:bodyPr>
+          <a:lstStyle/>
+          <a:p>
+            <a:r>
+              <a:rPr lang="pt-BR" i="1" dirty="0" smtClean="0">
+                <a:solidFill>
+                  <a:schemeClr val="accent2">
+                    <a:lumMod val="40000"/>
+                    <a:lumOff val="60000"/>
+                  </a:schemeClr>
+                </a:solidFill>
+              </a:rPr>
+              <a:t>“Uma estrutura de seleção é aquela que permite a escolha de um conjunto de ações e estruturas a serem executadas quando determinadas condições são ou não satisfeitas. Tais expressões são representadas por expressões lógicas” [1].</a:t>
+            </a:r>
+          </a:p>
+        </p:txBody>
+      </p:sp>
+    </p:spTree>
+  </p:cSld>
+  <p:clrMapOvr>
+    <a:masterClrMapping/>
+  </p:clrMapOvr>
+  <p:timing>
+    <p:tnLst>
+      <p:par>
+        <p:cTn id="1" dur="indefinite" restart="never" nodeType="tmRoot"/>
+      </p:par>
+    </p:tnLst>
+  </p:timing>
+</p:sld>
+</file>
+
+<file path=ppt/slides/slide18.xml><?xml version="1.0" encoding="utf-8"?>
+<p:sld xmlns:a="http://schemas.openxmlformats.org/drawingml/2006/main" xmlns:r="http://schemas.openxmlformats.org/officeDocument/2006/relationships" xmlns:p="http://schemas.openxmlformats.org/presentationml/2006/main">
+  <p:cSld>
+    <p:spTree>
+      <p:nvGrpSpPr>
+        <p:cNvPr id="1" name=""/>
+        <p:cNvGrpSpPr/>
+        <p:nvPr/>
+      </p:nvGrpSpPr>
+      <p:grpSpPr>
+        <a:xfrm>
+          <a:off x="0" y="0"/>
+          <a:ext cx="0" cy="0"/>
+          <a:chOff x="0" y="0"/>
+          <a:chExt cx="0" cy="0"/>
+        </a:xfrm>
+      </p:grpSpPr>
+      <p:sp>
+        <p:nvSpPr>
+          <p:cNvPr id="2" name="Título 1"/>
+          <p:cNvSpPr>
+            <a:spLocks noGrp="1"/>
+          </p:cNvSpPr>
+          <p:nvPr>
+            <p:ph type="ctrTitle"/>
+          </p:nvPr>
+        </p:nvSpPr>
+        <p:spPr/>
+        <p:txBody>
+          <a:bodyPr/>
+          <a:lstStyle/>
+          <a:p>
+            <a:r>
+              <a:rPr lang="pt-BR" sz="3600" dirty="0" smtClean="0"/>
+              <a:t>Seleção Simples</a:t>
+            </a:r>
+            <a:br>
+              <a:rPr lang="pt-BR" sz="3600" dirty="0" smtClean="0"/>
+            </a:br>
+            <a:r>
+              <a:rPr lang="pt-BR" sz="3600" dirty="0" smtClean="0"/>
+              <a:t>Exercício 004</a:t>
+            </a:r>
+            <a:endParaRPr lang="pt-BR" sz="3600" dirty="0"/>
+          </a:p>
+        </p:txBody>
+      </p:sp>
+      <p:sp>
+        <p:nvSpPr>
+          <p:cNvPr id="3" name="CaixaDeTexto 2"/>
+          <p:cNvSpPr txBox="1"/>
+          <p:nvPr/>
+        </p:nvSpPr>
+        <p:spPr>
+          <a:xfrm>
+            <a:off x="323528" y="2067694"/>
+            <a:ext cx="6048672" cy="523220"/>
+          </a:xfrm>
+          <a:prstGeom prst="rect">
+            <a:avLst/>
+          </a:prstGeom>
+          <a:noFill/>
+        </p:spPr>
+        <p:txBody>
+          <a:bodyPr wrap="square" rtlCol="0">
+            <a:spAutoFit/>
+          </a:bodyPr>
+          <a:lstStyle/>
+          <a:p>
+            <a:pPr algn="just"/>
+            <a:r>
+              <a:rPr lang="pt-BR" dirty="0" smtClean="0">
+                <a:solidFill>
+                  <a:schemeClr val="accent2">
+                    <a:lumMod val="40000"/>
+                    <a:lumOff val="60000"/>
+                  </a:schemeClr>
+                </a:solidFill>
+              </a:rPr>
+              <a:t>Receber a temperatura em graus Celsius de um pessoa e emitir a mensagem se ela estiver com febre. </a:t>
+            </a:r>
+            <a:endParaRPr lang="pt-BR" dirty="0">
+              <a:solidFill>
+                <a:schemeClr val="accent2">
+                  <a:lumMod val="40000"/>
+                  <a:lumOff val="60000"/>
+                </a:schemeClr>
+              </a:solidFill>
+            </a:endParaRPr>
+          </a:p>
+        </p:txBody>
+      </p:sp>
+    </p:spTree>
+  </p:cSld>
+  <p:clrMapOvr>
+    <a:masterClrMapping/>
+  </p:clrMapOvr>
+  <p:timing>
+    <p:tnLst>
+      <p:par>
+        <p:cTn id="1" dur="indefinite" restart="never" nodeType="tmRoot"/>
+      </p:par>
+    </p:tnLst>
+  </p:timing>
+</p:sld>
+</file>
+
+<file path=ppt/slides/slide19.xml><?xml version="1.0" encoding="utf-8"?>
+<p:sld xmlns:a="http://schemas.openxmlformats.org/drawingml/2006/main" xmlns:r="http://schemas.openxmlformats.org/officeDocument/2006/relationships" xmlns:p="http://schemas.openxmlformats.org/presentationml/2006/main">
+  <p:cSld>
+    <p:spTree>
+      <p:nvGrpSpPr>
+        <p:cNvPr id="1" name=""/>
+        <p:cNvGrpSpPr/>
+        <p:nvPr/>
+      </p:nvGrpSpPr>
+      <p:grpSpPr>
+        <a:xfrm>
+          <a:off x="0" y="0"/>
+          <a:ext cx="0" cy="0"/>
+          <a:chOff x="0" y="0"/>
+          <a:chExt cx="0" cy="0"/>
+        </a:xfrm>
+      </p:grpSpPr>
+      <p:sp>
+        <p:nvSpPr>
+          <p:cNvPr id="2" name="Título 1"/>
+          <p:cNvSpPr>
+            <a:spLocks noGrp="1"/>
+          </p:cNvSpPr>
+          <p:nvPr>
+            <p:ph type="ctrTitle"/>
+          </p:nvPr>
+        </p:nvSpPr>
+        <p:spPr/>
+        <p:txBody>
+          <a:bodyPr/>
+          <a:lstStyle/>
+          <a:p>
+            <a:r>
+              <a:rPr lang="pt-BR" sz="3600" dirty="0" smtClean="0"/>
+              <a:t>Seleção Composta</a:t>
+            </a:r>
+            <a:br>
+              <a:rPr lang="pt-BR" sz="3600" dirty="0" smtClean="0"/>
+            </a:br>
+            <a:r>
+              <a:rPr lang="pt-BR" sz="3600" dirty="0" smtClean="0"/>
+              <a:t>Exercício 005</a:t>
+            </a:r>
+            <a:endParaRPr lang="pt-BR" sz="3600" dirty="0"/>
+          </a:p>
+        </p:txBody>
+      </p:sp>
+      <p:sp>
+        <p:nvSpPr>
+          <p:cNvPr id="3" name="CaixaDeTexto 2"/>
+          <p:cNvSpPr txBox="1"/>
+          <p:nvPr/>
+        </p:nvSpPr>
+        <p:spPr>
+          <a:xfrm>
+            <a:off x="323528" y="2067694"/>
+            <a:ext cx="6048672" cy="523220"/>
+          </a:xfrm>
+          <a:prstGeom prst="rect">
+            <a:avLst/>
+          </a:prstGeom>
+          <a:noFill/>
+        </p:spPr>
+        <p:txBody>
+          <a:bodyPr wrap="square" rtlCol="0">
+            <a:spAutoFit/>
+          </a:bodyPr>
+          <a:lstStyle/>
+          <a:p>
+            <a:pPr algn="just"/>
+            <a:r>
+              <a:rPr lang="pt-BR" dirty="0" smtClean="0">
+                <a:solidFill>
+                  <a:schemeClr val="accent2">
+                    <a:lumMod val="40000"/>
+                    <a:lumOff val="60000"/>
+                  </a:schemeClr>
+                </a:solidFill>
+              </a:rPr>
+              <a:t>Elaborar um algoritmo que recebe um número inteiro e informe se ele é par ou impar</a:t>
             </a:r>
             <a:endParaRPr lang="pt-BR" dirty="0">
               <a:solidFill>
@@ -35441,6 +35876,2311 @@
 </p:sld>
 </file>
 
+<file path=ppt/slides/slide20.xml><?xml version="1.0" encoding="utf-8"?>
+<p:sld xmlns:a="http://schemas.openxmlformats.org/drawingml/2006/main" xmlns:r="http://schemas.openxmlformats.org/officeDocument/2006/relationships" xmlns:p="http://schemas.openxmlformats.org/presentationml/2006/main">
+  <p:cSld>
+    <p:spTree>
+      <p:nvGrpSpPr>
+        <p:cNvPr id="1" name=""/>
+        <p:cNvGrpSpPr/>
+        <p:nvPr/>
+      </p:nvGrpSpPr>
+      <p:grpSpPr>
+        <a:xfrm>
+          <a:off x="0" y="0"/>
+          <a:ext cx="0" cy="0"/>
+          <a:chOff x="0" y="0"/>
+          <a:chExt cx="0" cy="0"/>
+        </a:xfrm>
+      </p:grpSpPr>
+      <p:sp>
+        <p:nvSpPr>
+          <p:cNvPr id="3" name="Retângulo com Único Canto Aparado e Arredondado 2"/>
+          <p:cNvSpPr/>
+          <p:nvPr/>
+        </p:nvSpPr>
+        <p:spPr>
+          <a:xfrm>
+            <a:off x="1619672" y="411510"/>
+            <a:ext cx="1368152" cy="648072"/>
+          </a:xfrm>
+          <a:prstGeom prst="snipRoundRect">
+            <a:avLst/>
+          </a:prstGeom>
+          <a:solidFill>
+            <a:schemeClr val="accent3">
+              <a:lumMod val="40000"/>
+              <a:lumOff val="60000"/>
+            </a:schemeClr>
+          </a:solidFill>
+          <a:ln>
+            <a:solidFill>
+              <a:srgbClr val="00B050"/>
+            </a:solidFill>
+          </a:ln>
+        </p:spPr>
+        <p:style>
+          <a:lnRef idx="2">
+            <a:schemeClr val="accent1">
+              <a:shade val="50000"/>
+            </a:schemeClr>
+          </a:lnRef>
+          <a:fillRef idx="1">
+            <a:schemeClr val="accent1"/>
+          </a:fillRef>
+          <a:effectRef idx="0">
+            <a:schemeClr val="accent1"/>
+          </a:effectRef>
+          <a:fontRef idx="minor">
+            <a:schemeClr val="lt1"/>
+          </a:fontRef>
+        </p:style>
+        <p:txBody>
+          <a:bodyPr rtlCol="0" anchor="ctr"/>
+          <a:lstStyle/>
+          <a:p>
+            <a:pPr algn="ctr"/>
+            <a:r>
+              <a:rPr lang="pt-BR" b="1" dirty="0" smtClean="0">
+                <a:solidFill>
+                  <a:schemeClr val="accent6"/>
+                </a:solidFill>
+              </a:rPr>
+              <a:t>Início</a:t>
+            </a:r>
+            <a:endParaRPr lang="pt-BR" b="1" dirty="0">
+              <a:solidFill>
+                <a:schemeClr val="accent6"/>
+              </a:solidFill>
+            </a:endParaRPr>
+          </a:p>
+        </p:txBody>
+      </p:sp>
+      <p:sp>
+        <p:nvSpPr>
+          <p:cNvPr id="4" name="Fluxograma: Decisão 3"/>
+          <p:cNvSpPr/>
+          <p:nvPr/>
+        </p:nvSpPr>
+        <p:spPr>
+          <a:xfrm>
+            <a:off x="1691680" y="1419622"/>
+            <a:ext cx="1224136" cy="864096"/>
+          </a:xfrm>
+          <a:prstGeom prst="flowChartDecision">
+            <a:avLst/>
+          </a:prstGeom>
+          <a:solidFill>
+            <a:schemeClr val="accent3">
+              <a:lumMod val="40000"/>
+              <a:lumOff val="60000"/>
+            </a:schemeClr>
+          </a:solidFill>
+          <a:ln>
+            <a:solidFill>
+              <a:srgbClr val="00B050"/>
+            </a:solidFill>
+          </a:ln>
+        </p:spPr>
+        <p:style>
+          <a:lnRef idx="2">
+            <a:schemeClr val="accent1">
+              <a:shade val="50000"/>
+            </a:schemeClr>
+          </a:lnRef>
+          <a:fillRef idx="1">
+            <a:schemeClr val="accent1"/>
+          </a:fillRef>
+          <a:effectRef idx="0">
+            <a:schemeClr val="accent1"/>
+          </a:effectRef>
+          <a:fontRef idx="minor">
+            <a:schemeClr val="lt1"/>
+          </a:fontRef>
+        </p:style>
+        <p:txBody>
+          <a:bodyPr rtlCol="0" anchor="ctr"/>
+          <a:lstStyle/>
+          <a:p>
+            <a:pPr algn="ctr"/>
+            <a:r>
+              <a:rPr lang="pt-BR" b="1" dirty="0" smtClean="0">
+                <a:solidFill>
+                  <a:schemeClr val="accent6"/>
+                </a:solidFill>
+              </a:rPr>
+              <a:t>?</a:t>
+            </a:r>
+          </a:p>
+        </p:txBody>
+      </p:sp>
+      <p:sp>
+        <p:nvSpPr>
+          <p:cNvPr id="5" name="Fluxograma: Processo 4"/>
+          <p:cNvSpPr/>
+          <p:nvPr/>
+        </p:nvSpPr>
+        <p:spPr>
+          <a:xfrm>
+            <a:off x="1730044" y="2715766"/>
+            <a:ext cx="1152128" cy="720080"/>
+          </a:xfrm>
+          <a:prstGeom prst="flowChartProcess">
+            <a:avLst/>
+          </a:prstGeom>
+          <a:solidFill>
+            <a:schemeClr val="accent3">
+              <a:lumMod val="40000"/>
+              <a:lumOff val="60000"/>
+            </a:schemeClr>
+          </a:solidFill>
+          <a:ln>
+            <a:solidFill>
+              <a:srgbClr val="00B050"/>
+            </a:solidFill>
+          </a:ln>
+        </p:spPr>
+        <p:style>
+          <a:lnRef idx="2">
+            <a:schemeClr val="accent1">
+              <a:shade val="50000"/>
+            </a:schemeClr>
+          </a:lnRef>
+          <a:fillRef idx="1">
+            <a:schemeClr val="accent1"/>
+          </a:fillRef>
+          <a:effectRef idx="0">
+            <a:schemeClr val="accent1"/>
+          </a:effectRef>
+          <a:fontRef idx="minor">
+            <a:schemeClr val="lt1"/>
+          </a:fontRef>
+        </p:style>
+        <p:txBody>
+          <a:bodyPr rtlCol="0" anchor="ctr"/>
+          <a:lstStyle/>
+          <a:p>
+            <a:pPr algn="ctr"/>
+            <a:r>
+              <a:rPr lang="pt-BR" b="1" dirty="0" smtClean="0">
+                <a:solidFill>
+                  <a:schemeClr val="accent6"/>
+                </a:solidFill>
+              </a:rPr>
+              <a:t>SIM</a:t>
+            </a:r>
+          </a:p>
+        </p:txBody>
+      </p:sp>
+      <p:sp>
+        <p:nvSpPr>
+          <p:cNvPr id="6" name="Fluxograma: Processo 5"/>
+          <p:cNvSpPr/>
+          <p:nvPr/>
+        </p:nvSpPr>
+        <p:spPr>
+          <a:xfrm>
+            <a:off x="3491880" y="1491630"/>
+            <a:ext cx="1152128" cy="720080"/>
+          </a:xfrm>
+          <a:prstGeom prst="flowChartProcess">
+            <a:avLst/>
+          </a:prstGeom>
+          <a:solidFill>
+            <a:schemeClr val="accent3">
+              <a:lumMod val="40000"/>
+              <a:lumOff val="60000"/>
+            </a:schemeClr>
+          </a:solidFill>
+          <a:ln>
+            <a:solidFill>
+              <a:srgbClr val="00B050"/>
+            </a:solidFill>
+          </a:ln>
+        </p:spPr>
+        <p:style>
+          <a:lnRef idx="2">
+            <a:schemeClr val="accent1">
+              <a:shade val="50000"/>
+            </a:schemeClr>
+          </a:lnRef>
+          <a:fillRef idx="1">
+            <a:schemeClr val="accent1"/>
+          </a:fillRef>
+          <a:effectRef idx="0">
+            <a:schemeClr val="accent1"/>
+          </a:effectRef>
+          <a:fontRef idx="minor">
+            <a:schemeClr val="lt1"/>
+          </a:fontRef>
+        </p:style>
+        <p:txBody>
+          <a:bodyPr rtlCol="0" anchor="ctr"/>
+          <a:lstStyle/>
+          <a:p>
+            <a:pPr algn="ctr"/>
+            <a:r>
+              <a:rPr lang="pt-BR" b="1" dirty="0" smtClean="0">
+                <a:solidFill>
+                  <a:schemeClr val="accent6"/>
+                </a:solidFill>
+              </a:rPr>
+              <a:t>NÃO</a:t>
+            </a:r>
+          </a:p>
+        </p:txBody>
+      </p:sp>
+      <p:cxnSp>
+        <p:nvCxnSpPr>
+          <p:cNvPr id="8" name="Conector de seta reta 7"/>
+          <p:cNvCxnSpPr>
+            <a:stCxn id="3" idx="1"/>
+            <a:endCxn id="4" idx="0"/>
+          </p:cNvCxnSpPr>
+          <p:nvPr/>
+        </p:nvCxnSpPr>
+        <p:spPr>
+          <a:xfrm>
+            <a:off x="2303748" y="1059582"/>
+            <a:ext cx="0" cy="360040"/>
+          </a:xfrm>
+          <a:prstGeom prst="straightConnector1">
+            <a:avLst/>
+          </a:prstGeom>
+          <a:ln>
+            <a:tailEnd type="arrow"/>
+          </a:ln>
+        </p:spPr>
+        <p:style>
+          <a:lnRef idx="1">
+            <a:schemeClr val="accent1"/>
+          </a:lnRef>
+          <a:fillRef idx="0">
+            <a:schemeClr val="accent1"/>
+          </a:fillRef>
+          <a:effectRef idx="0">
+            <a:schemeClr val="accent1"/>
+          </a:effectRef>
+          <a:fontRef idx="minor">
+            <a:schemeClr val="tx1"/>
+          </a:fontRef>
+        </p:style>
+      </p:cxnSp>
+      <p:cxnSp>
+        <p:nvCxnSpPr>
+          <p:cNvPr id="10" name="Conector de seta reta 9"/>
+          <p:cNvCxnSpPr>
+            <a:stCxn id="4" idx="2"/>
+            <a:endCxn id="5" idx="0"/>
+          </p:cNvCxnSpPr>
+          <p:nvPr/>
+        </p:nvCxnSpPr>
+        <p:spPr>
+          <a:xfrm>
+            <a:off x="2303748" y="2283718"/>
+            <a:ext cx="2360" cy="432048"/>
+          </a:xfrm>
+          <a:prstGeom prst="straightConnector1">
+            <a:avLst/>
+          </a:prstGeom>
+          <a:ln>
+            <a:tailEnd type="arrow"/>
+          </a:ln>
+        </p:spPr>
+        <p:style>
+          <a:lnRef idx="1">
+            <a:schemeClr val="accent1"/>
+          </a:lnRef>
+          <a:fillRef idx="0">
+            <a:schemeClr val="accent1"/>
+          </a:fillRef>
+          <a:effectRef idx="0">
+            <a:schemeClr val="accent1"/>
+          </a:effectRef>
+          <a:fontRef idx="minor">
+            <a:schemeClr val="tx1"/>
+          </a:fontRef>
+        </p:style>
+      </p:cxnSp>
+      <p:cxnSp>
+        <p:nvCxnSpPr>
+          <p:cNvPr id="13" name="Conector de seta reta 12"/>
+          <p:cNvCxnSpPr>
+            <a:stCxn id="4" idx="3"/>
+            <a:endCxn id="6" idx="1"/>
+          </p:cNvCxnSpPr>
+          <p:nvPr/>
+        </p:nvCxnSpPr>
+        <p:spPr>
+          <a:xfrm>
+            <a:off x="2915816" y="1851670"/>
+            <a:ext cx="576064" cy="0"/>
+          </a:xfrm>
+          <a:prstGeom prst="straightConnector1">
+            <a:avLst/>
+          </a:prstGeom>
+          <a:ln>
+            <a:tailEnd type="arrow"/>
+          </a:ln>
+        </p:spPr>
+        <p:style>
+          <a:lnRef idx="1">
+            <a:schemeClr val="accent1"/>
+          </a:lnRef>
+          <a:fillRef idx="0">
+            <a:schemeClr val="accent1"/>
+          </a:fillRef>
+          <a:effectRef idx="0">
+            <a:schemeClr val="accent1"/>
+          </a:effectRef>
+          <a:fontRef idx="minor">
+            <a:schemeClr val="tx1"/>
+          </a:fontRef>
+        </p:style>
+      </p:cxnSp>
+      <p:sp>
+        <p:nvSpPr>
+          <p:cNvPr id="19" name="Fluxograma: Processo 18"/>
+          <p:cNvSpPr/>
+          <p:nvPr/>
+        </p:nvSpPr>
+        <p:spPr>
+          <a:xfrm>
+            <a:off x="1731718" y="3939902"/>
+            <a:ext cx="1152128" cy="720080"/>
+          </a:xfrm>
+          <a:prstGeom prst="flowChartProcess">
+            <a:avLst/>
+          </a:prstGeom>
+          <a:solidFill>
+            <a:schemeClr val="accent3">
+              <a:lumMod val="40000"/>
+              <a:lumOff val="60000"/>
+            </a:schemeClr>
+          </a:solidFill>
+          <a:ln>
+            <a:solidFill>
+              <a:srgbClr val="00B050"/>
+            </a:solidFill>
+          </a:ln>
+        </p:spPr>
+        <p:style>
+          <a:lnRef idx="2">
+            <a:schemeClr val="accent1">
+              <a:shade val="50000"/>
+            </a:schemeClr>
+          </a:lnRef>
+          <a:fillRef idx="1">
+            <a:schemeClr val="accent1"/>
+          </a:fillRef>
+          <a:effectRef idx="0">
+            <a:schemeClr val="accent1"/>
+          </a:effectRef>
+          <a:fontRef idx="minor">
+            <a:schemeClr val="lt1"/>
+          </a:fontRef>
+        </p:style>
+        <p:txBody>
+          <a:bodyPr rtlCol="0" anchor="ctr"/>
+          <a:lstStyle/>
+          <a:p>
+            <a:pPr algn="ctr"/>
+            <a:r>
+              <a:rPr lang="pt-BR" b="1" dirty="0" smtClean="0">
+                <a:solidFill>
+                  <a:schemeClr val="accent6"/>
+                </a:solidFill>
+              </a:rPr>
+              <a:t>Fim</a:t>
+            </a:r>
+          </a:p>
+        </p:txBody>
+      </p:sp>
+      <p:sp>
+        <p:nvSpPr>
+          <p:cNvPr id="20" name="Fluxograma: Processo 19"/>
+          <p:cNvSpPr/>
+          <p:nvPr/>
+        </p:nvSpPr>
+        <p:spPr>
+          <a:xfrm>
+            <a:off x="5148064" y="1491630"/>
+            <a:ext cx="1152128" cy="720080"/>
+          </a:xfrm>
+          <a:prstGeom prst="flowChartProcess">
+            <a:avLst/>
+          </a:prstGeom>
+          <a:solidFill>
+            <a:schemeClr val="accent3">
+              <a:lumMod val="40000"/>
+              <a:lumOff val="60000"/>
+            </a:schemeClr>
+          </a:solidFill>
+          <a:ln>
+            <a:solidFill>
+              <a:srgbClr val="00B050"/>
+            </a:solidFill>
+          </a:ln>
+        </p:spPr>
+        <p:style>
+          <a:lnRef idx="2">
+            <a:schemeClr val="accent1">
+              <a:shade val="50000"/>
+            </a:schemeClr>
+          </a:lnRef>
+          <a:fillRef idx="1">
+            <a:schemeClr val="accent1"/>
+          </a:fillRef>
+          <a:effectRef idx="0">
+            <a:schemeClr val="accent1"/>
+          </a:effectRef>
+          <a:fontRef idx="minor">
+            <a:schemeClr val="lt1"/>
+          </a:fontRef>
+        </p:style>
+        <p:txBody>
+          <a:bodyPr rtlCol="0" anchor="ctr"/>
+          <a:lstStyle/>
+          <a:p>
+            <a:pPr algn="ctr"/>
+            <a:r>
+              <a:rPr lang="pt-BR" b="1" dirty="0" smtClean="0">
+                <a:solidFill>
+                  <a:schemeClr val="accent6"/>
+                </a:solidFill>
+              </a:rPr>
+              <a:t>Fim alternativo</a:t>
+            </a:r>
+          </a:p>
+        </p:txBody>
+      </p:sp>
+      <p:cxnSp>
+        <p:nvCxnSpPr>
+          <p:cNvPr id="22" name="Conector de seta reta 21"/>
+          <p:cNvCxnSpPr>
+            <a:stCxn id="5" idx="2"/>
+            <a:endCxn id="19" idx="0"/>
+          </p:cNvCxnSpPr>
+          <p:nvPr/>
+        </p:nvCxnSpPr>
+        <p:spPr>
+          <a:xfrm>
+            <a:off x="2306108" y="3435846"/>
+            <a:ext cx="1674" cy="504056"/>
+          </a:xfrm>
+          <a:prstGeom prst="straightConnector1">
+            <a:avLst/>
+          </a:prstGeom>
+          <a:ln>
+            <a:tailEnd type="arrow"/>
+          </a:ln>
+        </p:spPr>
+        <p:style>
+          <a:lnRef idx="1">
+            <a:schemeClr val="accent1"/>
+          </a:lnRef>
+          <a:fillRef idx="0">
+            <a:schemeClr val="accent1"/>
+          </a:fillRef>
+          <a:effectRef idx="0">
+            <a:schemeClr val="accent1"/>
+          </a:effectRef>
+          <a:fontRef idx="minor">
+            <a:schemeClr val="tx1"/>
+          </a:fontRef>
+        </p:style>
+      </p:cxnSp>
+      <p:cxnSp>
+        <p:nvCxnSpPr>
+          <p:cNvPr id="24" name="Conector de seta reta 23"/>
+          <p:cNvCxnSpPr>
+            <a:stCxn id="6" idx="3"/>
+            <a:endCxn id="20" idx="1"/>
+          </p:cNvCxnSpPr>
+          <p:nvPr/>
+        </p:nvCxnSpPr>
+        <p:spPr>
+          <a:xfrm>
+            <a:off x="4644008" y="1851670"/>
+            <a:ext cx="504056" cy="0"/>
+          </a:xfrm>
+          <a:prstGeom prst="straightConnector1">
+            <a:avLst/>
+          </a:prstGeom>
+          <a:ln>
+            <a:tailEnd type="arrow"/>
+          </a:ln>
+        </p:spPr>
+        <p:style>
+          <a:lnRef idx="1">
+            <a:schemeClr val="accent1"/>
+          </a:lnRef>
+          <a:fillRef idx="0">
+            <a:schemeClr val="accent1"/>
+          </a:fillRef>
+          <a:effectRef idx="0">
+            <a:schemeClr val="accent1"/>
+          </a:effectRef>
+          <a:fontRef idx="minor">
+            <a:schemeClr val="tx1"/>
+          </a:fontRef>
+        </p:style>
+      </p:cxnSp>
+      <p:sp>
+        <p:nvSpPr>
+          <p:cNvPr id="31" name="CaixaDeTexto 30"/>
+          <p:cNvSpPr txBox="1"/>
+          <p:nvPr/>
+        </p:nvSpPr>
+        <p:spPr>
+          <a:xfrm>
+            <a:off x="947185" y="1491630"/>
+            <a:ext cx="960519" cy="738664"/>
+          </a:xfrm>
+          <a:prstGeom prst="rect">
+            <a:avLst/>
+          </a:prstGeom>
+          <a:noFill/>
+        </p:spPr>
+        <p:txBody>
+          <a:bodyPr wrap="none" rtlCol="0">
+            <a:spAutoFit/>
+          </a:bodyPr>
+          <a:lstStyle/>
+          <a:p>
+            <a:pPr algn="ctr"/>
+            <a:r>
+              <a:rPr lang="pt-BR" dirty="0" smtClean="0">
+                <a:solidFill>
+                  <a:schemeClr val="bg1"/>
+                </a:solidFill>
+              </a:rPr>
+              <a:t>Estrutura </a:t>
+            </a:r>
+          </a:p>
+          <a:p>
+            <a:pPr algn="ctr"/>
+            <a:r>
+              <a:rPr lang="pt-BR" dirty="0" smtClean="0">
+                <a:solidFill>
+                  <a:schemeClr val="bg1"/>
+                </a:solidFill>
+              </a:rPr>
+              <a:t>de </a:t>
+            </a:r>
+          </a:p>
+          <a:p>
+            <a:pPr algn="ctr"/>
+            <a:r>
+              <a:rPr lang="pt-BR" dirty="0" smtClean="0">
+                <a:solidFill>
+                  <a:schemeClr val="bg1"/>
+                </a:solidFill>
+              </a:rPr>
+              <a:t>decisão</a:t>
+            </a:r>
+            <a:endParaRPr lang="pt-BR" dirty="0">
+              <a:solidFill>
+                <a:schemeClr val="bg1"/>
+              </a:solidFill>
+            </a:endParaRPr>
+          </a:p>
+        </p:txBody>
+      </p:sp>
+    </p:spTree>
+  </p:cSld>
+  <p:clrMapOvr>
+    <a:masterClrMapping/>
+  </p:clrMapOvr>
+</p:sld>
+</file>
+
+<file path=ppt/slides/slide21.xml><?xml version="1.0" encoding="utf-8"?>
+<p:sld xmlns:a="http://schemas.openxmlformats.org/drawingml/2006/main" xmlns:r="http://schemas.openxmlformats.org/officeDocument/2006/relationships" xmlns:p="http://schemas.openxmlformats.org/presentationml/2006/main">
+  <p:cSld>
+    <p:spTree>
+      <p:nvGrpSpPr>
+        <p:cNvPr id="1" name=""/>
+        <p:cNvGrpSpPr/>
+        <p:nvPr/>
+      </p:nvGrpSpPr>
+      <p:grpSpPr>
+        <a:xfrm>
+          <a:off x="0" y="0"/>
+          <a:ext cx="0" cy="0"/>
+          <a:chOff x="0" y="0"/>
+          <a:chExt cx="0" cy="0"/>
+        </a:xfrm>
+      </p:grpSpPr>
+      <p:sp>
+        <p:nvSpPr>
+          <p:cNvPr id="2" name="Título 1"/>
+          <p:cNvSpPr>
+            <a:spLocks noGrp="1"/>
+          </p:cNvSpPr>
+          <p:nvPr>
+            <p:ph type="ctrTitle"/>
+          </p:nvPr>
+        </p:nvSpPr>
+        <p:spPr/>
+        <p:txBody>
+          <a:bodyPr/>
+          <a:lstStyle/>
+          <a:p>
+            <a:r>
+              <a:rPr lang="pt-BR" dirty="0" smtClean="0"/>
+              <a:t>Exercício 006</a:t>
+            </a:r>
+            <a:endParaRPr lang="pt-BR" dirty="0"/>
+          </a:p>
+        </p:txBody>
+      </p:sp>
+      <p:sp>
+        <p:nvSpPr>
+          <p:cNvPr id="3" name="CaixaDeTexto 2"/>
+          <p:cNvSpPr txBox="1"/>
+          <p:nvPr/>
+        </p:nvSpPr>
+        <p:spPr>
+          <a:xfrm>
+            <a:off x="899592" y="2283718"/>
+            <a:ext cx="4778872" cy="307777"/>
+          </a:xfrm>
+          <a:prstGeom prst="rect">
+            <a:avLst/>
+          </a:prstGeom>
+          <a:noFill/>
+        </p:spPr>
+        <p:txBody>
+          <a:bodyPr wrap="none" rtlCol="0">
+            <a:spAutoFit/>
+          </a:bodyPr>
+          <a:lstStyle/>
+          <a:p>
+            <a:r>
+              <a:rPr lang="pt-BR" dirty="0" smtClean="0">
+                <a:solidFill>
+                  <a:schemeClr val="bg1"/>
+                </a:solidFill>
+              </a:rPr>
+              <a:t>Receber uma idade e, caso seja menor, emitir mensagem</a:t>
+            </a:r>
+            <a:endParaRPr lang="pt-BR" dirty="0">
+              <a:solidFill>
+                <a:schemeClr val="bg1"/>
+              </a:solidFill>
+            </a:endParaRPr>
+          </a:p>
+        </p:txBody>
+      </p:sp>
+    </p:spTree>
+  </p:cSld>
+  <p:clrMapOvr>
+    <a:masterClrMapping/>
+  </p:clrMapOvr>
+</p:sld>
+</file>
+
+<file path=ppt/slides/slide22.xml><?xml version="1.0" encoding="utf-8"?>
+<p:sld xmlns:a="http://schemas.openxmlformats.org/drawingml/2006/main" xmlns:r="http://schemas.openxmlformats.org/officeDocument/2006/relationships" xmlns:p="http://schemas.openxmlformats.org/presentationml/2006/main">
+  <p:cSld>
+    <p:spTree>
+      <p:nvGrpSpPr>
+        <p:cNvPr id="1" name=""/>
+        <p:cNvGrpSpPr/>
+        <p:nvPr/>
+      </p:nvGrpSpPr>
+      <p:grpSpPr>
+        <a:xfrm>
+          <a:off x="0" y="0"/>
+          <a:ext cx="0" cy="0"/>
+          <a:chOff x="0" y="0"/>
+          <a:chExt cx="0" cy="0"/>
+        </a:xfrm>
+      </p:grpSpPr>
+      <p:sp>
+        <p:nvSpPr>
+          <p:cNvPr id="2" name="Título 1"/>
+          <p:cNvSpPr>
+            <a:spLocks noGrp="1"/>
+          </p:cNvSpPr>
+          <p:nvPr>
+            <p:ph type="ctrTitle"/>
+          </p:nvPr>
+        </p:nvSpPr>
+        <p:spPr/>
+        <p:txBody>
+          <a:bodyPr/>
+          <a:lstStyle/>
+          <a:p>
+            <a:r>
+              <a:rPr lang="pt-BR" dirty="0" smtClean="0"/>
+              <a:t>Exercício 007</a:t>
+            </a:r>
+            <a:endParaRPr lang="pt-BR" dirty="0"/>
+          </a:p>
+        </p:txBody>
+      </p:sp>
+      <p:sp>
+        <p:nvSpPr>
+          <p:cNvPr id="3" name="CaixaDeTexto 2"/>
+          <p:cNvSpPr txBox="1"/>
+          <p:nvPr/>
+        </p:nvSpPr>
+        <p:spPr>
+          <a:xfrm>
+            <a:off x="899592" y="2283718"/>
+            <a:ext cx="4680519" cy="523220"/>
+          </a:xfrm>
+          <a:prstGeom prst="rect">
+            <a:avLst/>
+          </a:prstGeom>
+          <a:noFill/>
+        </p:spPr>
+        <p:txBody>
+          <a:bodyPr wrap="square" rtlCol="0">
+            <a:spAutoFit/>
+          </a:bodyPr>
+          <a:lstStyle/>
+          <a:p>
+            <a:r>
+              <a:rPr lang="pt-BR" dirty="0" smtClean="0">
+                <a:solidFill>
+                  <a:schemeClr val="bg1"/>
+                </a:solidFill>
+              </a:rPr>
+              <a:t>Inicializar uma senha e pedir ao usuário para adivinhá-la informando em caso de acerto</a:t>
+            </a:r>
+            <a:endParaRPr lang="pt-BR" dirty="0">
+              <a:solidFill>
+                <a:schemeClr val="bg1"/>
+              </a:solidFill>
+            </a:endParaRPr>
+          </a:p>
+        </p:txBody>
+      </p:sp>
+    </p:spTree>
+  </p:cSld>
+  <p:clrMapOvr>
+    <a:masterClrMapping/>
+  </p:clrMapOvr>
+</p:sld>
+</file>
+
+<file path=ppt/slides/slide23.xml><?xml version="1.0" encoding="utf-8"?>
+<p:sld xmlns:a="http://schemas.openxmlformats.org/drawingml/2006/main" xmlns:r="http://schemas.openxmlformats.org/officeDocument/2006/relationships" xmlns:p="http://schemas.openxmlformats.org/presentationml/2006/main">
+  <p:cSld>
+    <p:spTree>
+      <p:nvGrpSpPr>
+        <p:cNvPr id="1" name=""/>
+        <p:cNvGrpSpPr/>
+        <p:nvPr/>
+      </p:nvGrpSpPr>
+      <p:grpSpPr>
+        <a:xfrm>
+          <a:off x="0" y="0"/>
+          <a:ext cx="0" cy="0"/>
+          <a:chOff x="0" y="0"/>
+          <a:chExt cx="0" cy="0"/>
+        </a:xfrm>
+      </p:grpSpPr>
+      <p:sp>
+        <p:nvSpPr>
+          <p:cNvPr id="2" name="Título 1"/>
+          <p:cNvSpPr>
+            <a:spLocks noGrp="1"/>
+          </p:cNvSpPr>
+          <p:nvPr>
+            <p:ph type="ctrTitle"/>
+          </p:nvPr>
+        </p:nvSpPr>
+        <p:spPr/>
+        <p:txBody>
+          <a:bodyPr/>
+          <a:lstStyle/>
+          <a:p>
+            <a:r>
+              <a:rPr lang="pt-BR" dirty="0" smtClean="0"/>
+              <a:t>Exercício 008</a:t>
+            </a:r>
+            <a:endParaRPr lang="pt-BR" dirty="0"/>
+          </a:p>
+        </p:txBody>
+      </p:sp>
+      <p:sp>
+        <p:nvSpPr>
+          <p:cNvPr id="3" name="CaixaDeTexto 2"/>
+          <p:cNvSpPr txBox="1"/>
+          <p:nvPr/>
+        </p:nvSpPr>
+        <p:spPr>
+          <a:xfrm>
+            <a:off x="899592" y="2283718"/>
+            <a:ext cx="5184576" cy="523220"/>
+          </a:xfrm>
+          <a:prstGeom prst="rect">
+            <a:avLst/>
+          </a:prstGeom>
+          <a:noFill/>
+        </p:spPr>
+        <p:txBody>
+          <a:bodyPr wrap="square" rtlCol="0">
+            <a:spAutoFit/>
+          </a:bodyPr>
+          <a:lstStyle/>
+          <a:p>
+            <a:r>
+              <a:rPr lang="pt-BR" dirty="0" smtClean="0">
+                <a:solidFill>
+                  <a:schemeClr val="bg1"/>
+                </a:solidFill>
+              </a:rPr>
+              <a:t>Receber nome e idade de duas pessoas e exibir o nome da mais velha</a:t>
+            </a:r>
+            <a:endParaRPr lang="pt-BR" dirty="0">
+              <a:solidFill>
+                <a:schemeClr val="bg1"/>
+              </a:solidFill>
+            </a:endParaRPr>
+          </a:p>
+        </p:txBody>
+      </p:sp>
+    </p:spTree>
+  </p:cSld>
+  <p:clrMapOvr>
+    <a:masterClrMapping/>
+  </p:clrMapOvr>
+</p:sld>
+</file>
+
+<file path=ppt/slides/slide24.xml><?xml version="1.0" encoding="utf-8"?>
+<p:sld xmlns:a="http://schemas.openxmlformats.org/drawingml/2006/main" xmlns:r="http://schemas.openxmlformats.org/officeDocument/2006/relationships" xmlns:p="http://schemas.openxmlformats.org/presentationml/2006/main">
+  <p:cSld>
+    <p:spTree>
+      <p:nvGrpSpPr>
+        <p:cNvPr id="1" name=""/>
+        <p:cNvGrpSpPr/>
+        <p:nvPr/>
+      </p:nvGrpSpPr>
+      <p:grpSpPr>
+        <a:xfrm>
+          <a:off x="0" y="0"/>
+          <a:ext cx="0" cy="0"/>
+          <a:chOff x="0" y="0"/>
+          <a:chExt cx="0" cy="0"/>
+        </a:xfrm>
+      </p:grpSpPr>
+      <p:sp>
+        <p:nvSpPr>
+          <p:cNvPr id="2" name="Título 1"/>
+          <p:cNvSpPr>
+            <a:spLocks noGrp="1"/>
+          </p:cNvSpPr>
+          <p:nvPr>
+            <p:ph type="ctrTitle"/>
+          </p:nvPr>
+        </p:nvSpPr>
+        <p:spPr/>
+        <p:txBody>
+          <a:bodyPr/>
+          <a:lstStyle/>
+          <a:p>
+            <a:r>
+              <a:rPr lang="pt-BR" sz="4000" dirty="0" smtClean="0"/>
+              <a:t>Operadores </a:t>
+            </a:r>
+            <a:br>
+              <a:rPr lang="pt-BR" sz="4000" dirty="0" smtClean="0"/>
+            </a:br>
+            <a:r>
+              <a:rPr lang="pt-BR" sz="4000" dirty="0" smtClean="0"/>
+              <a:t>Relacionais</a:t>
+            </a:r>
+            <a:endParaRPr lang="pt-BR" sz="4000" dirty="0"/>
+          </a:p>
+        </p:txBody>
+      </p:sp>
+      <p:graphicFrame>
+        <p:nvGraphicFramePr>
+          <p:cNvPr id="4" name="Tabela 3"/>
+          <p:cNvGraphicFramePr>
+            <a:graphicFrameLocks noGrp="1"/>
+          </p:cNvGraphicFramePr>
+          <p:nvPr/>
+        </p:nvGraphicFramePr>
+        <p:xfrm>
+          <a:off x="467544" y="2427734"/>
+          <a:ext cx="6096000" cy="2595880"/>
+        </p:xfrm>
+        <a:graphic>
+          <a:graphicData uri="http://schemas.openxmlformats.org/drawingml/2006/table">
+            <a:tbl>
+              <a:tblPr firstRow="1" bandRow="1">
+                <a:tableStyleId>{69C7853C-536D-4A76-A0AE-DD22124D55A5}</a:tableStyleId>
+              </a:tblPr>
+              <a:tblGrid>
+                <a:gridCol w="3048000"/>
+                <a:gridCol w="3048000"/>
+              </a:tblGrid>
+              <a:tr h="370840">
+                <a:tc>
+                  <a:txBody>
+                    <a:bodyPr/>
+                    <a:lstStyle/>
+                    <a:p>
+                      <a:endParaRPr lang="pt-BR" dirty="0"/>
+                    </a:p>
+                  </a:txBody>
+                  <a:tcPr/>
+                </a:tc>
+                <a:tc>
+                  <a:txBody>
+                    <a:bodyPr/>
+                    <a:lstStyle/>
+                    <a:p>
+                      <a:endParaRPr lang="pt-BR"/>
+                    </a:p>
+                  </a:txBody>
+                  <a:tcPr/>
+                </a:tc>
+              </a:tr>
+              <a:tr h="370840">
+                <a:tc>
+                  <a:txBody>
+                    <a:bodyPr/>
+                    <a:lstStyle/>
+                    <a:p>
+                      <a:r>
+                        <a:rPr lang="pt-BR" dirty="0" smtClean="0"/>
+                        <a:t>&lt;   menor que</a:t>
+                      </a:r>
+                      <a:endParaRPr lang="pt-BR" dirty="0"/>
+                    </a:p>
+                  </a:txBody>
+                  <a:tcPr/>
+                </a:tc>
+                <a:tc>
+                  <a:txBody>
+                    <a:bodyPr/>
+                    <a:lstStyle/>
+                    <a:p>
+                      <a:r>
+                        <a:rPr lang="pt-BR" dirty="0" smtClean="0"/>
+                        <a:t>A &lt; B</a:t>
+                      </a:r>
+                      <a:endParaRPr lang="pt-BR" dirty="0"/>
+                    </a:p>
+                  </a:txBody>
+                  <a:tcPr/>
+                </a:tc>
+              </a:tr>
+              <a:tr h="370840">
+                <a:tc>
+                  <a:txBody>
+                    <a:bodyPr/>
+                    <a:lstStyle/>
+                    <a:p>
+                      <a:r>
+                        <a:rPr lang="pt-BR" dirty="0" smtClean="0"/>
+                        <a:t>&lt;= menor ou igual que</a:t>
+                      </a:r>
+                      <a:endParaRPr lang="pt-BR" dirty="0"/>
+                    </a:p>
+                  </a:txBody>
+                  <a:tcPr/>
+                </a:tc>
+                <a:tc>
+                  <a:txBody>
+                    <a:bodyPr/>
+                    <a:lstStyle/>
+                    <a:p>
+                      <a:r>
+                        <a:rPr lang="pt-BR" dirty="0" smtClean="0"/>
+                        <a:t>A &lt;= B</a:t>
+                      </a:r>
+                      <a:endParaRPr lang="pt-BR" dirty="0"/>
+                    </a:p>
+                  </a:txBody>
+                  <a:tcPr/>
+                </a:tc>
+              </a:tr>
+              <a:tr h="370840">
+                <a:tc>
+                  <a:txBody>
+                    <a:bodyPr/>
+                    <a:lstStyle/>
+                    <a:p>
+                      <a:r>
+                        <a:rPr lang="pt-BR" dirty="0" smtClean="0"/>
+                        <a:t>&gt;   maior que</a:t>
+                      </a:r>
+                      <a:endParaRPr lang="pt-BR" dirty="0"/>
+                    </a:p>
+                  </a:txBody>
+                  <a:tcPr/>
+                </a:tc>
+                <a:tc>
+                  <a:txBody>
+                    <a:bodyPr/>
+                    <a:lstStyle/>
+                    <a:p>
+                      <a:r>
+                        <a:rPr lang="pt-BR" dirty="0" smtClean="0"/>
+                        <a:t>A &gt; B</a:t>
+                      </a:r>
+                    </a:p>
+                  </a:txBody>
+                  <a:tcPr/>
+                </a:tc>
+              </a:tr>
+              <a:tr h="370840">
+                <a:tc>
+                  <a:txBody>
+                    <a:bodyPr/>
+                    <a:lstStyle/>
+                    <a:p>
+                      <a:r>
+                        <a:rPr lang="pt-BR" dirty="0" smtClean="0"/>
+                        <a:t>&gt;=</a:t>
+                      </a:r>
+                      <a:r>
+                        <a:rPr lang="pt-BR" baseline="0" dirty="0" smtClean="0"/>
+                        <a:t> maio ou igual que</a:t>
+                      </a:r>
+                      <a:endParaRPr lang="pt-BR" dirty="0"/>
+                    </a:p>
+                  </a:txBody>
+                  <a:tcPr/>
+                </a:tc>
+                <a:tc>
+                  <a:txBody>
+                    <a:bodyPr/>
+                    <a:lstStyle/>
+                    <a:p>
+                      <a:r>
+                        <a:rPr lang="pt-BR" dirty="0" smtClean="0"/>
+                        <a:t>A &gt;= B</a:t>
+                      </a:r>
+                      <a:endParaRPr lang="pt-BR" dirty="0"/>
+                    </a:p>
+                  </a:txBody>
+                  <a:tcPr/>
+                </a:tc>
+              </a:tr>
+              <a:tr h="370840">
+                <a:tc>
+                  <a:txBody>
+                    <a:bodyPr/>
+                    <a:lstStyle/>
+                    <a:p>
+                      <a:r>
+                        <a:rPr lang="pt-BR" dirty="0" smtClean="0"/>
+                        <a:t>=   igual</a:t>
+                      </a:r>
+                      <a:endParaRPr lang="pt-BR" dirty="0"/>
+                    </a:p>
+                  </a:txBody>
+                  <a:tcPr/>
+                </a:tc>
+                <a:tc>
+                  <a:txBody>
+                    <a:bodyPr/>
+                    <a:lstStyle/>
+                    <a:p>
+                      <a:r>
+                        <a:rPr lang="pt-BR" dirty="0" smtClean="0"/>
+                        <a:t>A = B</a:t>
+                      </a:r>
+                      <a:endParaRPr lang="pt-BR" dirty="0"/>
+                    </a:p>
+                  </a:txBody>
+                  <a:tcPr/>
+                </a:tc>
+              </a:tr>
+              <a:tr h="370840">
+                <a:tc>
+                  <a:txBody>
+                    <a:bodyPr/>
+                    <a:lstStyle/>
+                    <a:p>
+                      <a:pPr>
+                        <a:buFont typeface="Symbol"/>
+                        <a:buNone/>
+                      </a:pPr>
+                      <a:r>
+                        <a:rPr lang="pt-BR" dirty="0" smtClean="0"/>
+                        <a:t>&lt;&gt; Diferente</a:t>
+                      </a:r>
+                      <a:endParaRPr lang="pt-BR" dirty="0"/>
+                    </a:p>
+                  </a:txBody>
+                  <a:tcPr/>
+                </a:tc>
+                <a:tc>
+                  <a:txBody>
+                    <a:bodyPr/>
+                    <a:lstStyle/>
+                    <a:p>
+                      <a:r>
+                        <a:rPr lang="pt-BR" dirty="0" smtClean="0"/>
+                        <a:t>A &lt;&gt; B</a:t>
+                      </a:r>
+                      <a:endParaRPr lang="pt-BR" dirty="0"/>
+                    </a:p>
+                  </a:txBody>
+                  <a:tcPr/>
+                </a:tc>
+              </a:tr>
+            </a:tbl>
+          </a:graphicData>
+        </a:graphic>
+      </p:graphicFrame>
+    </p:spTree>
+  </p:cSld>
+  <p:clrMapOvr>
+    <a:masterClrMapping/>
+  </p:clrMapOvr>
+</p:sld>
+</file>
+
+<file path=ppt/slides/slide25.xml><?xml version="1.0" encoding="utf-8"?>
+<p:sld xmlns:a="http://schemas.openxmlformats.org/drawingml/2006/main" xmlns:r="http://schemas.openxmlformats.org/officeDocument/2006/relationships" xmlns:p="http://schemas.openxmlformats.org/presentationml/2006/main">
+  <p:cSld>
+    <p:spTree>
+      <p:nvGrpSpPr>
+        <p:cNvPr id="1" name=""/>
+        <p:cNvGrpSpPr/>
+        <p:nvPr/>
+      </p:nvGrpSpPr>
+      <p:grpSpPr>
+        <a:xfrm>
+          <a:off x="0" y="0"/>
+          <a:ext cx="0" cy="0"/>
+          <a:chOff x="0" y="0"/>
+          <a:chExt cx="0" cy="0"/>
+        </a:xfrm>
+      </p:grpSpPr>
+      <p:sp>
+        <p:nvSpPr>
+          <p:cNvPr id="2" name="Título 1"/>
+          <p:cNvSpPr>
+            <a:spLocks noGrp="1"/>
+          </p:cNvSpPr>
+          <p:nvPr>
+            <p:ph type="ctrTitle"/>
+          </p:nvPr>
+        </p:nvSpPr>
+        <p:spPr/>
+        <p:txBody>
+          <a:bodyPr/>
+          <a:lstStyle/>
+          <a:p>
+            <a:r>
+              <a:rPr lang="pt-BR" sz="4000" dirty="0" smtClean="0"/>
+              <a:t>Operadores </a:t>
+            </a:r>
+            <a:br>
+              <a:rPr lang="pt-BR" sz="4000" dirty="0" smtClean="0"/>
+            </a:br>
+            <a:r>
+              <a:rPr lang="pt-BR" sz="4000" dirty="0" smtClean="0"/>
+              <a:t>lógicos booleanos</a:t>
+            </a:r>
+            <a:endParaRPr lang="pt-BR" sz="4000" dirty="0"/>
+          </a:p>
+        </p:txBody>
+      </p:sp>
+      <p:graphicFrame>
+        <p:nvGraphicFramePr>
+          <p:cNvPr id="4" name="Tabela 3"/>
+          <p:cNvGraphicFramePr>
+            <a:graphicFrameLocks noGrp="1"/>
+          </p:cNvGraphicFramePr>
+          <p:nvPr/>
+        </p:nvGraphicFramePr>
+        <p:xfrm>
+          <a:off x="467544" y="2427734"/>
+          <a:ext cx="4104456" cy="1483360"/>
+        </p:xfrm>
+        <a:graphic>
+          <a:graphicData uri="http://schemas.openxmlformats.org/drawingml/2006/table">
+            <a:tbl>
+              <a:tblPr firstRow="1" bandRow="1">
+                <a:tableStyleId>{69C7853C-536D-4A76-A0AE-DD22124D55A5}</a:tableStyleId>
+              </a:tblPr>
+              <a:tblGrid>
+                <a:gridCol w="1817689"/>
+                <a:gridCol w="2286767"/>
+              </a:tblGrid>
+              <a:tr h="370840">
+                <a:tc>
+                  <a:txBody>
+                    <a:bodyPr/>
+                    <a:lstStyle/>
+                    <a:p>
+                      <a:r>
+                        <a:rPr lang="pt-BR" dirty="0" smtClean="0"/>
+                        <a:t>Símbolo</a:t>
+                      </a:r>
+                      <a:endParaRPr lang="pt-BR" dirty="0"/>
+                    </a:p>
+                  </a:txBody>
+                  <a:tcPr/>
+                </a:tc>
+                <a:tc>
+                  <a:txBody>
+                    <a:bodyPr/>
+                    <a:lstStyle/>
+                    <a:p>
+                      <a:r>
+                        <a:rPr lang="pt-BR" dirty="0" smtClean="0"/>
+                        <a:t>Função</a:t>
+                      </a:r>
+                      <a:endParaRPr lang="pt-BR" dirty="0"/>
+                    </a:p>
+                  </a:txBody>
+                  <a:tcPr/>
+                </a:tc>
+              </a:tr>
+              <a:tr h="370840">
+                <a:tc>
+                  <a:txBody>
+                    <a:bodyPr/>
+                    <a:lstStyle/>
+                    <a:p>
+                      <a:r>
+                        <a:rPr lang="pt-BR" dirty="0" smtClean="0"/>
+                        <a:t>E, &amp;, &amp;&amp;</a:t>
+                      </a:r>
+                      <a:endParaRPr lang="pt-BR" dirty="0"/>
+                    </a:p>
+                  </a:txBody>
+                  <a:tcPr/>
+                </a:tc>
+                <a:tc>
+                  <a:txBody>
+                    <a:bodyPr/>
+                    <a:lstStyle/>
+                    <a:p>
+                      <a:r>
+                        <a:rPr lang="pt-BR" dirty="0" smtClean="0"/>
+                        <a:t>Conjunção</a:t>
+                      </a:r>
+                      <a:endParaRPr lang="pt-BR" dirty="0"/>
+                    </a:p>
+                  </a:txBody>
+                  <a:tcPr/>
+                </a:tc>
+              </a:tr>
+              <a:tr h="370840">
+                <a:tc>
+                  <a:txBody>
+                    <a:bodyPr/>
+                    <a:lstStyle/>
+                    <a:p>
+                      <a:r>
+                        <a:rPr lang="pt-BR" dirty="0" smtClean="0"/>
+                        <a:t>OU, |, |</a:t>
+                      </a:r>
+                      <a:r>
+                        <a:rPr lang="pt-BR" dirty="0" err="1" smtClean="0"/>
+                        <a:t>|</a:t>
+                      </a:r>
+                      <a:endParaRPr lang="pt-BR" dirty="0"/>
+                    </a:p>
+                  </a:txBody>
+                  <a:tcPr/>
+                </a:tc>
+                <a:tc>
+                  <a:txBody>
+                    <a:bodyPr/>
+                    <a:lstStyle/>
+                    <a:p>
+                      <a:r>
+                        <a:rPr lang="pt-BR" dirty="0" smtClean="0"/>
+                        <a:t>Disjunção (</a:t>
+                      </a:r>
+                      <a:r>
+                        <a:rPr lang="pt-BR" dirty="0" err="1" smtClean="0"/>
+                        <a:t>não-exclusiva</a:t>
+                      </a:r>
+                      <a:r>
+                        <a:rPr lang="pt-BR" dirty="0" smtClean="0"/>
+                        <a:t>)</a:t>
+                      </a:r>
+                      <a:endParaRPr lang="pt-BR" dirty="0"/>
+                    </a:p>
+                  </a:txBody>
+                  <a:tcPr/>
+                </a:tc>
+              </a:tr>
+              <a:tr h="370840">
+                <a:tc>
+                  <a:txBody>
+                    <a:bodyPr/>
+                    <a:lstStyle/>
+                    <a:p>
+                      <a:r>
+                        <a:rPr lang="pt-BR" dirty="0" smtClean="0"/>
+                        <a:t>NÃO,</a:t>
+                      </a:r>
+                      <a:r>
+                        <a:rPr lang="pt-BR" baseline="0" dirty="0" smtClean="0"/>
+                        <a:t> !</a:t>
+                      </a:r>
+                      <a:endParaRPr lang="pt-BR" dirty="0"/>
+                    </a:p>
+                  </a:txBody>
+                  <a:tcPr/>
+                </a:tc>
+                <a:tc>
+                  <a:txBody>
+                    <a:bodyPr/>
+                    <a:lstStyle/>
+                    <a:p>
+                      <a:r>
+                        <a:rPr lang="pt-BR" dirty="0" smtClean="0"/>
+                        <a:t>Negação</a:t>
+                      </a:r>
+                    </a:p>
+                  </a:txBody>
+                  <a:tcPr/>
+                </a:tc>
+              </a:tr>
+            </a:tbl>
+          </a:graphicData>
+        </a:graphic>
+      </p:graphicFrame>
+      <p:sp>
+        <p:nvSpPr>
+          <p:cNvPr id="5" name="CaixaDeTexto 4"/>
+          <p:cNvSpPr txBox="1"/>
+          <p:nvPr/>
+        </p:nvSpPr>
+        <p:spPr>
+          <a:xfrm>
+            <a:off x="5076056" y="2571750"/>
+            <a:ext cx="574196" cy="738664"/>
+          </a:xfrm>
+          <a:prstGeom prst="rect">
+            <a:avLst/>
+          </a:prstGeom>
+          <a:noFill/>
+          <a:ln cap="flat">
+            <a:solidFill>
+              <a:schemeClr val="tx1"/>
+            </a:solidFill>
+            <a:round/>
+          </a:ln>
+        </p:spPr>
+        <p:txBody>
+          <a:bodyPr wrap="none" rtlCol="0">
+            <a:spAutoFit/>
+          </a:bodyPr>
+          <a:lstStyle/>
+          <a:p>
+            <a:r>
+              <a:rPr lang="pt-BR" dirty="0" smtClean="0">
+                <a:solidFill>
+                  <a:schemeClr val="bg1"/>
+                </a:solidFill>
+              </a:rPr>
+              <a:t>NÃO</a:t>
+            </a:r>
+          </a:p>
+          <a:p>
+            <a:r>
+              <a:rPr lang="pt-BR" dirty="0" smtClean="0">
+                <a:solidFill>
+                  <a:schemeClr val="bg1"/>
+                </a:solidFill>
+              </a:rPr>
+              <a:t>E</a:t>
+            </a:r>
+          </a:p>
+          <a:p>
+            <a:r>
+              <a:rPr lang="pt-BR" dirty="0" smtClean="0">
+                <a:solidFill>
+                  <a:schemeClr val="bg1"/>
+                </a:solidFill>
+              </a:rPr>
+              <a:t>OU</a:t>
+            </a:r>
+            <a:endParaRPr lang="pt-BR" dirty="0">
+              <a:solidFill>
+                <a:schemeClr val="bg1"/>
+              </a:solidFill>
+            </a:endParaRPr>
+          </a:p>
+        </p:txBody>
+      </p:sp>
+      <p:cxnSp>
+        <p:nvCxnSpPr>
+          <p:cNvPr id="7" name="Conector de seta reta 6"/>
+          <p:cNvCxnSpPr/>
+          <p:nvPr/>
+        </p:nvCxnSpPr>
+        <p:spPr>
+          <a:xfrm>
+            <a:off x="5004048" y="2499742"/>
+            <a:ext cx="792088" cy="0"/>
+          </a:xfrm>
+          <a:prstGeom prst="straightConnector1">
+            <a:avLst/>
+          </a:prstGeom>
+          <a:ln>
+            <a:tailEnd type="arrow"/>
+          </a:ln>
+        </p:spPr>
+        <p:style>
+          <a:lnRef idx="1">
+            <a:schemeClr val="accent1"/>
+          </a:lnRef>
+          <a:fillRef idx="0">
+            <a:schemeClr val="accent1"/>
+          </a:fillRef>
+          <a:effectRef idx="0">
+            <a:schemeClr val="accent1"/>
+          </a:effectRef>
+          <a:fontRef idx="minor">
+            <a:schemeClr val="tx1"/>
+          </a:fontRef>
+        </p:style>
+      </p:cxnSp>
+      <p:cxnSp>
+        <p:nvCxnSpPr>
+          <p:cNvPr id="9" name="Conector de seta reta 8"/>
+          <p:cNvCxnSpPr/>
+          <p:nvPr/>
+        </p:nvCxnSpPr>
+        <p:spPr>
+          <a:xfrm>
+            <a:off x="5004048" y="2499742"/>
+            <a:ext cx="0" cy="792088"/>
+          </a:xfrm>
+          <a:prstGeom prst="straightConnector1">
+            <a:avLst/>
+          </a:prstGeom>
+          <a:ln>
+            <a:tailEnd type="arrow"/>
+          </a:ln>
+        </p:spPr>
+        <p:style>
+          <a:lnRef idx="1">
+            <a:schemeClr val="accent1"/>
+          </a:lnRef>
+          <a:fillRef idx="0">
+            <a:schemeClr val="accent1"/>
+          </a:fillRef>
+          <a:effectRef idx="0">
+            <a:schemeClr val="accent1"/>
+          </a:effectRef>
+          <a:fontRef idx="minor">
+            <a:schemeClr val="tx1"/>
+          </a:fontRef>
+        </p:style>
+      </p:cxnSp>
+    </p:spTree>
+  </p:cSld>
+  <p:clrMapOvr>
+    <a:masterClrMapping/>
+  </p:clrMapOvr>
+</p:sld>
+</file>
+
+<file path=ppt/slides/slide26.xml><?xml version="1.0" encoding="utf-8"?>
+<p:sld xmlns:a="http://schemas.openxmlformats.org/drawingml/2006/main" xmlns:r="http://schemas.openxmlformats.org/officeDocument/2006/relationships" xmlns:p="http://schemas.openxmlformats.org/presentationml/2006/main">
+  <p:cSld>
+    <p:spTree>
+      <p:nvGrpSpPr>
+        <p:cNvPr id="1" name=""/>
+        <p:cNvGrpSpPr/>
+        <p:nvPr/>
+      </p:nvGrpSpPr>
+      <p:grpSpPr>
+        <a:xfrm>
+          <a:off x="0" y="0"/>
+          <a:ext cx="0" cy="0"/>
+          <a:chOff x="0" y="0"/>
+          <a:chExt cx="0" cy="0"/>
+        </a:xfrm>
+      </p:grpSpPr>
+      <p:sp>
+        <p:nvSpPr>
+          <p:cNvPr id="2" name="Título 1"/>
+          <p:cNvSpPr>
+            <a:spLocks noGrp="1"/>
+          </p:cNvSpPr>
+          <p:nvPr>
+            <p:ph type="ctrTitle"/>
+          </p:nvPr>
+        </p:nvSpPr>
+        <p:spPr/>
+        <p:txBody>
+          <a:bodyPr/>
+          <a:lstStyle/>
+          <a:p>
+            <a:r>
+              <a:rPr lang="pt-BR" sz="4000" dirty="0" smtClean="0"/>
+              <a:t>Exemplo com tabela</a:t>
+            </a:r>
+            <a:br>
+              <a:rPr lang="pt-BR" sz="4000" dirty="0" smtClean="0"/>
+            </a:br>
+            <a:r>
+              <a:rPr lang="pt-BR" sz="4000" dirty="0" smtClean="0"/>
+              <a:t>verdade</a:t>
+            </a:r>
+            <a:endParaRPr lang="pt-BR" sz="4000" dirty="0"/>
+          </a:p>
+        </p:txBody>
+      </p:sp>
+      <p:graphicFrame>
+        <p:nvGraphicFramePr>
+          <p:cNvPr id="4" name="Tabela 3"/>
+          <p:cNvGraphicFramePr>
+            <a:graphicFrameLocks noGrp="1"/>
+          </p:cNvGraphicFramePr>
+          <p:nvPr/>
+        </p:nvGraphicFramePr>
+        <p:xfrm>
+          <a:off x="179515" y="2427734"/>
+          <a:ext cx="6048670" cy="1854200"/>
+        </p:xfrm>
+        <a:graphic>
+          <a:graphicData uri="http://schemas.openxmlformats.org/drawingml/2006/table">
+            <a:tbl>
+              <a:tblPr firstRow="1" bandRow="1">
+                <a:tableStyleId>{69C7853C-536D-4A76-A0AE-DD22124D55A5}</a:tableStyleId>
+              </a:tblPr>
+              <a:tblGrid>
+                <a:gridCol w="1209734"/>
+                <a:gridCol w="1209734"/>
+                <a:gridCol w="1209734"/>
+                <a:gridCol w="1209734"/>
+                <a:gridCol w="1209734"/>
+              </a:tblGrid>
+              <a:tr h="370840">
+                <a:tc>
+                  <a:txBody>
+                    <a:bodyPr/>
+                    <a:lstStyle/>
+                    <a:p>
+                      <a:pPr algn="ctr"/>
+                      <a:r>
+                        <a:rPr lang="pt-BR" dirty="0" smtClean="0"/>
+                        <a:t>1°</a:t>
+                      </a:r>
+                      <a:r>
+                        <a:rPr lang="pt-BR" baseline="0" dirty="0" smtClean="0"/>
+                        <a:t> operando</a:t>
+                      </a:r>
+                      <a:endParaRPr lang="pt-BR" dirty="0"/>
+                    </a:p>
+                  </a:txBody>
+                  <a:tcPr/>
+                </a:tc>
+                <a:tc>
+                  <a:txBody>
+                    <a:bodyPr/>
+                    <a:lstStyle/>
+                    <a:p>
+                      <a:pPr algn="ctr"/>
+                      <a:r>
+                        <a:rPr lang="pt-BR" dirty="0" smtClean="0"/>
+                        <a:t>2° </a:t>
+                      </a:r>
+                      <a:r>
+                        <a:rPr lang="pt-BR" baseline="0" dirty="0" smtClean="0"/>
+                        <a:t>operando</a:t>
+                      </a:r>
+                      <a:endParaRPr lang="pt-BR" dirty="0"/>
+                    </a:p>
+                  </a:txBody>
+                  <a:tcPr/>
+                </a:tc>
+                <a:tc>
+                  <a:txBody>
+                    <a:bodyPr/>
+                    <a:lstStyle/>
+                    <a:p>
+                      <a:pPr algn="ctr"/>
+                      <a:r>
+                        <a:rPr lang="pt-BR" dirty="0" smtClean="0"/>
+                        <a:t>ou</a:t>
+                      </a:r>
+                      <a:endParaRPr lang="pt-BR" dirty="0"/>
+                    </a:p>
+                  </a:txBody>
+                  <a:tcPr/>
+                </a:tc>
+                <a:tc>
+                  <a:txBody>
+                    <a:bodyPr/>
+                    <a:lstStyle/>
+                    <a:p>
+                      <a:pPr algn="ctr"/>
+                      <a:r>
+                        <a:rPr lang="pt-BR" dirty="0" smtClean="0"/>
+                        <a:t>e</a:t>
+                      </a:r>
+                      <a:endParaRPr lang="pt-BR" dirty="0"/>
+                    </a:p>
+                  </a:txBody>
+                  <a:tcPr/>
+                </a:tc>
+                <a:tc>
+                  <a:txBody>
+                    <a:bodyPr/>
+                    <a:lstStyle/>
+                    <a:p>
+                      <a:pPr algn="ctr"/>
+                      <a:r>
+                        <a:rPr lang="pt-BR" dirty="0" smtClean="0"/>
+                        <a:t>!e</a:t>
+                      </a:r>
+                      <a:endParaRPr lang="pt-BR" dirty="0"/>
+                    </a:p>
+                  </a:txBody>
+                  <a:tcPr/>
+                </a:tc>
+              </a:tr>
+              <a:tr h="370840">
+                <a:tc>
+                  <a:txBody>
+                    <a:bodyPr/>
+                    <a:lstStyle/>
+                    <a:p>
+                      <a:pPr algn="ctr"/>
+                      <a:r>
+                        <a:rPr lang="pt-BR" dirty="0" smtClean="0"/>
+                        <a:t>V</a:t>
+                      </a:r>
+                      <a:endParaRPr lang="pt-BR" dirty="0"/>
+                    </a:p>
+                  </a:txBody>
+                  <a:tcPr/>
+                </a:tc>
+                <a:tc>
+                  <a:txBody>
+                    <a:bodyPr/>
+                    <a:lstStyle/>
+                    <a:p>
+                      <a:pPr algn="ctr"/>
+                      <a:r>
+                        <a:rPr lang="pt-BR" dirty="0" smtClean="0"/>
+                        <a:t>V</a:t>
+                      </a:r>
+                      <a:endParaRPr lang="pt-BR" dirty="0"/>
+                    </a:p>
+                  </a:txBody>
+                  <a:tcPr/>
+                </a:tc>
+                <a:tc>
+                  <a:txBody>
+                    <a:bodyPr/>
+                    <a:lstStyle/>
+                    <a:p>
+                      <a:pPr algn="ctr"/>
+                      <a:r>
+                        <a:rPr lang="pt-BR" dirty="0" smtClean="0"/>
+                        <a:t>V</a:t>
+                      </a:r>
+                      <a:endParaRPr lang="pt-BR" dirty="0"/>
+                    </a:p>
+                  </a:txBody>
+                  <a:tcPr/>
+                </a:tc>
+                <a:tc>
+                  <a:txBody>
+                    <a:bodyPr/>
+                    <a:lstStyle/>
+                    <a:p>
+                      <a:pPr algn="ctr"/>
+                      <a:r>
+                        <a:rPr lang="pt-BR" dirty="0" smtClean="0"/>
+                        <a:t>V</a:t>
+                      </a:r>
+                      <a:endParaRPr lang="pt-BR" dirty="0"/>
+                    </a:p>
+                  </a:txBody>
+                  <a:tcPr/>
+                </a:tc>
+                <a:tc>
+                  <a:txBody>
+                    <a:bodyPr/>
+                    <a:lstStyle/>
+                    <a:p>
+                      <a:pPr algn="ctr"/>
+                      <a:r>
+                        <a:rPr lang="pt-BR" dirty="0" smtClean="0"/>
+                        <a:t>F</a:t>
+                      </a:r>
+                      <a:endParaRPr lang="pt-BR" dirty="0"/>
+                    </a:p>
+                  </a:txBody>
+                  <a:tcPr/>
+                </a:tc>
+              </a:tr>
+              <a:tr h="370840">
+                <a:tc>
+                  <a:txBody>
+                    <a:bodyPr/>
+                    <a:lstStyle/>
+                    <a:p>
+                      <a:pPr algn="ctr"/>
+                      <a:r>
+                        <a:rPr lang="pt-BR" dirty="0" smtClean="0"/>
+                        <a:t>V</a:t>
+                      </a:r>
+                      <a:endParaRPr lang="pt-BR" dirty="0"/>
+                    </a:p>
+                  </a:txBody>
+                  <a:tcPr/>
+                </a:tc>
+                <a:tc>
+                  <a:txBody>
+                    <a:bodyPr/>
+                    <a:lstStyle/>
+                    <a:p>
+                      <a:pPr algn="ctr"/>
+                      <a:r>
+                        <a:rPr lang="pt-BR" dirty="0" smtClean="0"/>
+                        <a:t>F</a:t>
+                      </a:r>
+                      <a:endParaRPr lang="pt-BR" dirty="0"/>
+                    </a:p>
+                  </a:txBody>
+                  <a:tcPr/>
+                </a:tc>
+                <a:tc>
+                  <a:txBody>
+                    <a:bodyPr/>
+                    <a:lstStyle/>
+                    <a:p>
+                      <a:pPr algn="ctr"/>
+                      <a:r>
+                        <a:rPr lang="pt-BR" dirty="0" smtClean="0"/>
+                        <a:t>V</a:t>
+                      </a:r>
+                      <a:endParaRPr lang="pt-BR" dirty="0"/>
+                    </a:p>
+                  </a:txBody>
+                  <a:tcPr/>
+                </a:tc>
+                <a:tc>
+                  <a:txBody>
+                    <a:bodyPr/>
+                    <a:lstStyle/>
+                    <a:p>
+                      <a:pPr algn="ctr"/>
+                      <a:r>
+                        <a:rPr lang="pt-BR" dirty="0" smtClean="0"/>
+                        <a:t>F</a:t>
+                      </a:r>
+                      <a:endParaRPr lang="pt-BR" dirty="0"/>
+                    </a:p>
+                  </a:txBody>
+                  <a:tcPr/>
+                </a:tc>
+                <a:tc>
+                  <a:txBody>
+                    <a:bodyPr/>
+                    <a:lstStyle/>
+                    <a:p>
+                      <a:pPr algn="ctr"/>
+                      <a:r>
+                        <a:rPr lang="pt-BR" dirty="0" smtClean="0"/>
+                        <a:t>V</a:t>
+                      </a:r>
+                      <a:endParaRPr lang="pt-BR" dirty="0"/>
+                    </a:p>
+                  </a:txBody>
+                  <a:tcPr/>
+                </a:tc>
+              </a:tr>
+              <a:tr h="370840">
+                <a:tc>
+                  <a:txBody>
+                    <a:bodyPr/>
+                    <a:lstStyle/>
+                    <a:p>
+                      <a:pPr algn="ctr"/>
+                      <a:r>
+                        <a:rPr lang="pt-BR" dirty="0" smtClean="0"/>
+                        <a:t>F</a:t>
+                      </a:r>
+                      <a:endParaRPr lang="pt-BR" dirty="0"/>
+                    </a:p>
+                  </a:txBody>
+                  <a:tcPr/>
+                </a:tc>
+                <a:tc>
+                  <a:txBody>
+                    <a:bodyPr/>
+                    <a:lstStyle/>
+                    <a:p>
+                      <a:pPr algn="ctr"/>
+                      <a:r>
+                        <a:rPr lang="pt-BR" dirty="0" smtClean="0"/>
+                        <a:t>V</a:t>
+                      </a:r>
+                    </a:p>
+                  </a:txBody>
+                  <a:tcPr/>
+                </a:tc>
+                <a:tc>
+                  <a:txBody>
+                    <a:bodyPr/>
+                    <a:lstStyle/>
+                    <a:p>
+                      <a:pPr algn="ctr"/>
+                      <a:r>
+                        <a:rPr lang="pt-BR" dirty="0" smtClean="0"/>
+                        <a:t>V</a:t>
+                      </a:r>
+                    </a:p>
+                  </a:txBody>
+                  <a:tcPr/>
+                </a:tc>
+                <a:tc>
+                  <a:txBody>
+                    <a:bodyPr/>
+                    <a:lstStyle/>
+                    <a:p>
+                      <a:pPr algn="ctr"/>
+                      <a:r>
+                        <a:rPr lang="pt-BR" dirty="0" smtClean="0"/>
+                        <a:t>F</a:t>
+                      </a:r>
+                    </a:p>
+                  </a:txBody>
+                  <a:tcPr/>
+                </a:tc>
+                <a:tc>
+                  <a:txBody>
+                    <a:bodyPr/>
+                    <a:lstStyle/>
+                    <a:p>
+                      <a:pPr algn="ctr"/>
+                      <a:r>
+                        <a:rPr lang="pt-BR" dirty="0" smtClean="0"/>
+                        <a:t>V</a:t>
+                      </a:r>
+                    </a:p>
+                  </a:txBody>
+                  <a:tcPr/>
+                </a:tc>
+              </a:tr>
+              <a:tr h="370840">
+                <a:tc>
+                  <a:txBody>
+                    <a:bodyPr/>
+                    <a:lstStyle/>
+                    <a:p>
+                      <a:pPr algn="ctr"/>
+                      <a:r>
+                        <a:rPr lang="pt-BR" dirty="0" smtClean="0"/>
+                        <a:t>F</a:t>
+                      </a:r>
+                      <a:endParaRPr lang="pt-BR" dirty="0"/>
+                    </a:p>
+                  </a:txBody>
+                  <a:tcPr/>
+                </a:tc>
+                <a:tc>
+                  <a:txBody>
+                    <a:bodyPr/>
+                    <a:lstStyle/>
+                    <a:p>
+                      <a:pPr algn="ctr"/>
+                      <a:r>
+                        <a:rPr lang="pt-BR" dirty="0" smtClean="0"/>
+                        <a:t>F</a:t>
+                      </a:r>
+                      <a:endParaRPr lang="pt-BR" dirty="0"/>
+                    </a:p>
+                  </a:txBody>
+                  <a:tcPr/>
+                </a:tc>
+                <a:tc>
+                  <a:txBody>
+                    <a:bodyPr/>
+                    <a:lstStyle/>
+                    <a:p>
+                      <a:pPr algn="ctr"/>
+                      <a:r>
+                        <a:rPr lang="pt-BR" dirty="0" smtClean="0"/>
+                        <a:t>F</a:t>
+                      </a:r>
+                      <a:endParaRPr lang="pt-BR" dirty="0"/>
+                    </a:p>
+                  </a:txBody>
+                  <a:tcPr/>
+                </a:tc>
+                <a:tc>
+                  <a:txBody>
+                    <a:bodyPr/>
+                    <a:lstStyle/>
+                    <a:p>
+                      <a:pPr algn="ctr"/>
+                      <a:r>
+                        <a:rPr lang="pt-BR" dirty="0" smtClean="0"/>
+                        <a:t>F</a:t>
+                      </a:r>
+                      <a:endParaRPr lang="pt-BR" dirty="0"/>
+                    </a:p>
+                  </a:txBody>
+                  <a:tcPr/>
+                </a:tc>
+                <a:tc>
+                  <a:txBody>
+                    <a:bodyPr/>
+                    <a:lstStyle/>
+                    <a:p>
+                      <a:pPr algn="ctr"/>
+                      <a:r>
+                        <a:rPr lang="pt-BR" dirty="0" smtClean="0"/>
+                        <a:t>V</a:t>
+                      </a:r>
+                      <a:endParaRPr lang="pt-BR" dirty="0"/>
+                    </a:p>
+                  </a:txBody>
+                  <a:tcPr/>
+                </a:tc>
+              </a:tr>
+            </a:tbl>
+          </a:graphicData>
+        </a:graphic>
+      </p:graphicFrame>
+    </p:spTree>
+  </p:cSld>
+  <p:clrMapOvr>
+    <a:masterClrMapping/>
+  </p:clrMapOvr>
+</p:sld>
+</file>
+
+<file path=ppt/slides/slide27.xml><?xml version="1.0" encoding="utf-8"?>
+<p:sld xmlns:a="http://schemas.openxmlformats.org/drawingml/2006/main" xmlns:r="http://schemas.openxmlformats.org/officeDocument/2006/relationships" xmlns:p="http://schemas.openxmlformats.org/presentationml/2006/main">
+  <p:cSld>
+    <p:spTree>
+      <p:nvGrpSpPr>
+        <p:cNvPr id="1" name=""/>
+        <p:cNvGrpSpPr/>
+        <p:nvPr/>
+      </p:nvGrpSpPr>
+      <p:grpSpPr>
+        <a:xfrm>
+          <a:off x="0" y="0"/>
+          <a:ext cx="0" cy="0"/>
+          <a:chOff x="0" y="0"/>
+          <a:chExt cx="0" cy="0"/>
+        </a:xfrm>
+      </p:grpSpPr>
+      <p:sp>
+        <p:nvSpPr>
+          <p:cNvPr id="2" name="Título 1"/>
+          <p:cNvSpPr>
+            <a:spLocks noGrp="1"/>
+          </p:cNvSpPr>
+          <p:nvPr>
+            <p:ph type="ctrTitle"/>
+          </p:nvPr>
+        </p:nvSpPr>
+        <p:spPr/>
+        <p:txBody>
+          <a:bodyPr/>
+          <a:lstStyle/>
+          <a:p>
+            <a:r>
+              <a:rPr lang="pt-BR" dirty="0" smtClean="0"/>
+              <a:t>Exercício 009</a:t>
+            </a:r>
+            <a:endParaRPr lang="pt-BR" dirty="0"/>
+          </a:p>
+        </p:txBody>
+      </p:sp>
+      <p:sp>
+        <p:nvSpPr>
+          <p:cNvPr id="3" name="CaixaDeTexto 2"/>
+          <p:cNvSpPr txBox="1"/>
+          <p:nvPr/>
+        </p:nvSpPr>
+        <p:spPr>
+          <a:xfrm>
+            <a:off x="899593" y="2283718"/>
+            <a:ext cx="5112568" cy="1477328"/>
+          </a:xfrm>
+          <a:prstGeom prst="rect">
+            <a:avLst/>
+          </a:prstGeom>
+          <a:noFill/>
+        </p:spPr>
+        <p:txBody>
+          <a:bodyPr wrap="square" rtlCol="0">
+            <a:spAutoFit/>
+          </a:bodyPr>
+          <a:lstStyle/>
+          <a:p>
+            <a:r>
+              <a:rPr lang="pt-BR" dirty="0" smtClean="0">
+                <a:solidFill>
+                  <a:schemeClr val="bg1"/>
+                </a:solidFill>
+              </a:rPr>
+              <a:t>Dado três lados de um triângulo verifique se estes formam, qual tipo de triângulo (isósceles, escaleno, ou equilátero).</a:t>
+            </a:r>
+          </a:p>
+          <a:p>
+            <a:endParaRPr lang="pt-BR" dirty="0" smtClean="0">
+              <a:solidFill>
+                <a:schemeClr val="bg1"/>
+              </a:solidFill>
+            </a:endParaRPr>
+          </a:p>
+          <a:p>
+            <a:r>
+              <a:rPr lang="pt-BR" sz="1200" i="1" dirty="0" smtClean="0">
+                <a:solidFill>
+                  <a:schemeClr val="bg1"/>
+                </a:solidFill>
+              </a:rPr>
+              <a:t>Dica: </a:t>
+            </a:r>
+          </a:p>
+          <a:p>
+            <a:r>
+              <a:rPr lang="pt-BR" sz="1200" i="1" dirty="0" smtClean="0">
+                <a:solidFill>
+                  <a:schemeClr val="bg1"/>
+                </a:solidFill>
+              </a:rPr>
+              <a:t>Isósceles: dois lados com comprimentos iguais.</a:t>
+            </a:r>
+          </a:p>
+          <a:p>
+            <a:r>
+              <a:rPr lang="pt-BR" sz="1200" i="1" dirty="0" smtClean="0">
+                <a:solidFill>
+                  <a:schemeClr val="bg1"/>
+                </a:solidFill>
+              </a:rPr>
+              <a:t>Escaleno: Três lados com comprimentos diferentes.</a:t>
+            </a:r>
+          </a:p>
+          <a:p>
+            <a:r>
+              <a:rPr lang="pt-BR" sz="1200" i="1" dirty="0" smtClean="0">
+                <a:solidFill>
+                  <a:schemeClr val="bg1"/>
+                </a:solidFill>
+              </a:rPr>
+              <a:t>Equilátero: Três lados com comprimentos iguais.</a:t>
+            </a:r>
+          </a:p>
+        </p:txBody>
+      </p:sp>
+    </p:spTree>
+  </p:cSld>
+  <p:clrMapOvr>
+    <a:masterClrMapping/>
+  </p:clrMapOvr>
+</p:sld>
+</file>
+
+<file path=ppt/slides/slide28.xml><?xml version="1.0" encoding="utf-8"?>
+<p:sld xmlns:a="http://schemas.openxmlformats.org/drawingml/2006/main" xmlns:r="http://schemas.openxmlformats.org/officeDocument/2006/relationships" xmlns:p="http://schemas.openxmlformats.org/presentationml/2006/main">
+  <p:cSld>
+    <p:spTree>
+      <p:nvGrpSpPr>
+        <p:cNvPr id="1" name=""/>
+        <p:cNvGrpSpPr/>
+        <p:nvPr/>
+      </p:nvGrpSpPr>
+      <p:grpSpPr>
+        <a:xfrm>
+          <a:off x="0" y="0"/>
+          <a:ext cx="0" cy="0"/>
+          <a:chOff x="0" y="0"/>
+          <a:chExt cx="0" cy="0"/>
+        </a:xfrm>
+      </p:grpSpPr>
+      <p:sp>
+        <p:nvSpPr>
+          <p:cNvPr id="2" name="Título 1"/>
+          <p:cNvSpPr>
+            <a:spLocks noGrp="1"/>
+          </p:cNvSpPr>
+          <p:nvPr>
+            <p:ph type="ctrTitle"/>
+          </p:nvPr>
+        </p:nvSpPr>
+        <p:spPr/>
+        <p:txBody>
+          <a:bodyPr/>
+          <a:lstStyle/>
+          <a:p>
+            <a:r>
+              <a:rPr lang="pt-BR" dirty="0" smtClean="0"/>
+              <a:t>Exercício 010</a:t>
+            </a:r>
+            <a:endParaRPr lang="pt-BR" dirty="0"/>
+          </a:p>
+        </p:txBody>
+      </p:sp>
+      <p:sp>
+        <p:nvSpPr>
+          <p:cNvPr id="3" name="CaixaDeTexto 2"/>
+          <p:cNvSpPr txBox="1"/>
+          <p:nvPr/>
+        </p:nvSpPr>
+        <p:spPr>
+          <a:xfrm>
+            <a:off x="899593" y="2283718"/>
+            <a:ext cx="5472607" cy="1200329"/>
+          </a:xfrm>
+          <a:prstGeom prst="rect">
+            <a:avLst/>
+          </a:prstGeom>
+          <a:noFill/>
+        </p:spPr>
+        <p:txBody>
+          <a:bodyPr wrap="square" rtlCol="0">
+            <a:spAutoFit/>
+          </a:bodyPr>
+          <a:lstStyle/>
+          <a:p>
+            <a:r>
+              <a:rPr lang="pt-BR" dirty="0" smtClean="0">
+                <a:solidFill>
+                  <a:schemeClr val="bg1"/>
+                </a:solidFill>
+              </a:rPr>
+              <a:t>Leia três medidas e verifique se estas formam um triângulo.</a:t>
+            </a:r>
+          </a:p>
+          <a:p>
+            <a:endParaRPr lang="pt-BR" dirty="0" smtClean="0">
+              <a:solidFill>
+                <a:schemeClr val="bg1"/>
+              </a:solidFill>
+            </a:endParaRPr>
+          </a:p>
+          <a:p>
+            <a:r>
+              <a:rPr lang="pt-BR" sz="1100" i="1" dirty="0" smtClean="0">
+                <a:solidFill>
+                  <a:schemeClr val="bg1"/>
+                </a:solidFill>
+              </a:rPr>
+              <a:t>Dica: Para verificar se três lados formam um triângulo, é necessário aplicar a desigualdade triangular, que afirma que a soma de dois lados deve ser maior que o terceiro lado. Se essa condição for satisfeita, os três lados formam um triângulo. Se não, os lados não formam um triângulo.  </a:t>
+            </a:r>
+            <a:endParaRPr lang="pt-BR" sz="1100" i="1" dirty="0">
+              <a:solidFill>
+                <a:schemeClr val="bg1"/>
+              </a:solidFill>
+            </a:endParaRPr>
+          </a:p>
+        </p:txBody>
+      </p:sp>
+    </p:spTree>
+  </p:cSld>
+  <p:clrMapOvr>
+    <a:masterClrMapping/>
+  </p:clrMapOvr>
+</p:sld>
+</file>
+
+<file path=ppt/slides/slide29.xml><?xml version="1.0" encoding="utf-8"?>
+<p:sld xmlns:a="http://schemas.openxmlformats.org/drawingml/2006/main" xmlns:r="http://schemas.openxmlformats.org/officeDocument/2006/relationships" xmlns:p="http://schemas.openxmlformats.org/presentationml/2006/main">
+  <p:cSld>
+    <p:spTree>
+      <p:nvGrpSpPr>
+        <p:cNvPr id="1" name=""/>
+        <p:cNvGrpSpPr/>
+        <p:nvPr/>
+      </p:nvGrpSpPr>
+      <p:grpSpPr>
+        <a:xfrm>
+          <a:off x="0" y="0"/>
+          <a:ext cx="0" cy="0"/>
+          <a:chOff x="0" y="0"/>
+          <a:chExt cx="0" cy="0"/>
+        </a:xfrm>
+      </p:grpSpPr>
+      <p:sp>
+        <p:nvSpPr>
+          <p:cNvPr id="2" name="Título 1"/>
+          <p:cNvSpPr>
+            <a:spLocks noGrp="1"/>
+          </p:cNvSpPr>
+          <p:nvPr>
+            <p:ph type="ctrTitle"/>
+          </p:nvPr>
+        </p:nvSpPr>
+        <p:spPr/>
+        <p:txBody>
+          <a:bodyPr/>
+          <a:lstStyle/>
+          <a:p>
+            <a:r>
+              <a:rPr lang="pt-BR" dirty="0" smtClean="0"/>
+              <a:t>Exercício 011</a:t>
+            </a:r>
+            <a:endParaRPr lang="pt-BR" dirty="0"/>
+          </a:p>
+        </p:txBody>
+      </p:sp>
+      <p:sp>
+        <p:nvSpPr>
+          <p:cNvPr id="3" name="CaixaDeTexto 2"/>
+          <p:cNvSpPr txBox="1"/>
+          <p:nvPr/>
+        </p:nvSpPr>
+        <p:spPr>
+          <a:xfrm>
+            <a:off x="899593" y="2283718"/>
+            <a:ext cx="5472607" cy="954107"/>
+          </a:xfrm>
+          <a:prstGeom prst="rect">
+            <a:avLst/>
+          </a:prstGeom>
+          <a:noFill/>
+        </p:spPr>
+        <p:txBody>
+          <a:bodyPr wrap="square" rtlCol="0">
+            <a:spAutoFit/>
+          </a:bodyPr>
+          <a:lstStyle/>
+          <a:p>
+            <a:r>
+              <a:rPr lang="pt-BR" dirty="0" smtClean="0">
+                <a:solidFill>
+                  <a:schemeClr val="bg1"/>
+                </a:solidFill>
+              </a:rPr>
+              <a:t>Leia três medidas e verifique se estas formam um triângulo. Ainda, se as medidas formarem um triângulo verifique qual tipo (isósceles, escaleno, ou equilátero).</a:t>
+            </a:r>
+          </a:p>
+          <a:p>
+            <a:endParaRPr lang="pt-BR" dirty="0" smtClean="0">
+              <a:solidFill>
+                <a:schemeClr val="bg1"/>
+              </a:solidFill>
+            </a:endParaRPr>
+          </a:p>
+        </p:txBody>
+      </p:sp>
+    </p:spTree>
+  </p:cSld>
+  <p:clrMapOvr>
+    <a:masterClrMapping/>
+  </p:clrMapOvr>
+</p:sld>
+</file>
+
 <file path=ppt/slides/slide3.xml><?xml version="1.0" encoding="utf-8"?>
 <p:sld xmlns:a="http://schemas.openxmlformats.org/drawingml/2006/main" xmlns:r="http://schemas.openxmlformats.org/officeDocument/2006/relationships" xmlns:p="http://schemas.openxmlformats.org/presentationml/2006/main">
   <p:cSld>
@@ -35608,6 +38348,894 @@
       </p:par>
     </p:tnLst>
   </p:timing>
+</p:sld>
+</file>
+
+<file path=ppt/slides/slide30.xml><?xml version="1.0" encoding="utf-8"?>
+<p:sld xmlns:a="http://schemas.openxmlformats.org/drawingml/2006/main" xmlns:r="http://schemas.openxmlformats.org/officeDocument/2006/relationships" xmlns:p="http://schemas.openxmlformats.org/presentationml/2006/main">
+  <p:cSld>
+    <p:spTree>
+      <p:nvGrpSpPr>
+        <p:cNvPr id="1" name=""/>
+        <p:cNvGrpSpPr/>
+        <p:nvPr/>
+      </p:nvGrpSpPr>
+      <p:grpSpPr>
+        <a:xfrm>
+          <a:off x="0" y="0"/>
+          <a:ext cx="0" cy="0"/>
+          <a:chOff x="0" y="0"/>
+          <a:chExt cx="0" cy="0"/>
+        </a:xfrm>
+      </p:grpSpPr>
+      <p:sp>
+        <p:nvSpPr>
+          <p:cNvPr id="2" name="Título 1"/>
+          <p:cNvSpPr>
+            <a:spLocks noGrp="1"/>
+          </p:cNvSpPr>
+          <p:nvPr>
+            <p:ph type="ctrTitle"/>
+          </p:nvPr>
+        </p:nvSpPr>
+        <p:spPr/>
+        <p:txBody>
+          <a:bodyPr/>
+          <a:lstStyle/>
+          <a:p>
+            <a:r>
+              <a:rPr lang="pt-BR" dirty="0" smtClean="0"/>
+              <a:t>Exercício 012</a:t>
+            </a:r>
+            <a:endParaRPr lang="pt-BR" dirty="0"/>
+          </a:p>
+        </p:txBody>
+      </p:sp>
+      <p:sp>
+        <p:nvSpPr>
+          <p:cNvPr id="3" name="CaixaDeTexto 2"/>
+          <p:cNvSpPr txBox="1"/>
+          <p:nvPr/>
+        </p:nvSpPr>
+        <p:spPr>
+          <a:xfrm>
+            <a:off x="899593" y="2283718"/>
+            <a:ext cx="5472607" cy="954107"/>
+          </a:xfrm>
+          <a:prstGeom prst="rect">
+            <a:avLst/>
+          </a:prstGeom>
+          <a:noFill/>
+        </p:spPr>
+        <p:txBody>
+          <a:bodyPr wrap="square" rtlCol="0">
+            <a:spAutoFit/>
+          </a:bodyPr>
+          <a:lstStyle/>
+          <a:p>
+            <a:r>
+              <a:rPr lang="pt-BR" dirty="0" smtClean="0">
+                <a:solidFill>
+                  <a:schemeClr val="bg1"/>
+                </a:solidFill>
+              </a:rPr>
+              <a:t>Calcule a área de um triângulo:</a:t>
+            </a:r>
+          </a:p>
+          <a:p>
+            <a:endParaRPr lang="pt-BR" dirty="0" smtClean="0">
+              <a:solidFill>
+                <a:schemeClr val="bg1"/>
+              </a:solidFill>
+            </a:endParaRPr>
+          </a:p>
+          <a:p>
+            <a:r>
+              <a:rPr lang="pt-BR" dirty="0" smtClean="0">
+                <a:solidFill>
+                  <a:schemeClr val="bg1"/>
+                </a:solidFill>
+              </a:rPr>
+              <a:t>(BASE * ALTURA) / 2</a:t>
+            </a:r>
+          </a:p>
+          <a:p>
+            <a:endParaRPr lang="pt-BR" dirty="0" smtClean="0">
+              <a:solidFill>
+                <a:schemeClr val="bg1"/>
+              </a:solidFill>
+            </a:endParaRPr>
+          </a:p>
+        </p:txBody>
+      </p:sp>
+    </p:spTree>
+  </p:cSld>
+  <p:clrMapOvr>
+    <a:masterClrMapping/>
+  </p:clrMapOvr>
+</p:sld>
+</file>
+
+<file path=ppt/slides/slide31.xml><?xml version="1.0" encoding="utf-8"?>
+<p:sld xmlns:a="http://schemas.openxmlformats.org/drawingml/2006/main" xmlns:r="http://schemas.openxmlformats.org/officeDocument/2006/relationships" xmlns:p="http://schemas.openxmlformats.org/presentationml/2006/main">
+  <p:cSld>
+    <p:spTree>
+      <p:nvGrpSpPr>
+        <p:cNvPr id="1" name=""/>
+        <p:cNvGrpSpPr/>
+        <p:nvPr/>
+      </p:nvGrpSpPr>
+      <p:grpSpPr>
+        <a:xfrm>
+          <a:off x="0" y="0"/>
+          <a:ext cx="0" cy="0"/>
+          <a:chOff x="0" y="0"/>
+          <a:chExt cx="0" cy="0"/>
+        </a:xfrm>
+      </p:grpSpPr>
+      <p:sp>
+        <p:nvSpPr>
+          <p:cNvPr id="2" name="Título 1"/>
+          <p:cNvSpPr>
+            <a:spLocks noGrp="1"/>
+          </p:cNvSpPr>
+          <p:nvPr>
+            <p:ph type="ctrTitle"/>
+          </p:nvPr>
+        </p:nvSpPr>
+        <p:spPr/>
+        <p:txBody>
+          <a:bodyPr/>
+          <a:lstStyle/>
+          <a:p>
+            <a:r>
+              <a:rPr lang="pt-BR" dirty="0" smtClean="0"/>
+              <a:t>Exercício 013</a:t>
+            </a:r>
+            <a:endParaRPr lang="pt-BR" dirty="0"/>
+          </a:p>
+        </p:txBody>
+      </p:sp>
+      <p:sp>
+        <p:nvSpPr>
+          <p:cNvPr id="3" name="CaixaDeTexto 2"/>
+          <p:cNvSpPr txBox="1"/>
+          <p:nvPr/>
+        </p:nvSpPr>
+        <p:spPr>
+          <a:xfrm>
+            <a:off x="899593" y="2283718"/>
+            <a:ext cx="5472607" cy="954107"/>
+          </a:xfrm>
+          <a:prstGeom prst="rect">
+            <a:avLst/>
+          </a:prstGeom>
+          <a:noFill/>
+        </p:spPr>
+        <p:txBody>
+          <a:bodyPr wrap="square" rtlCol="0">
+            <a:spAutoFit/>
+          </a:bodyPr>
+          <a:lstStyle/>
+          <a:p>
+            <a:r>
+              <a:rPr lang="pt-BR" dirty="0" smtClean="0">
+                <a:solidFill>
+                  <a:schemeClr val="bg1"/>
+                </a:solidFill>
+              </a:rPr>
+              <a:t>Digite um inteiro maior que 100 e se for maior escreva a mensagem “você conseguiu”, caso contrário, apresente o número com a frase “não é maior que 100”.</a:t>
+            </a:r>
+          </a:p>
+          <a:p>
+            <a:endParaRPr lang="pt-BR" dirty="0" smtClean="0">
+              <a:solidFill>
+                <a:schemeClr val="bg1"/>
+              </a:solidFill>
+            </a:endParaRPr>
+          </a:p>
+        </p:txBody>
+      </p:sp>
+    </p:spTree>
+  </p:cSld>
+  <p:clrMapOvr>
+    <a:masterClrMapping/>
+  </p:clrMapOvr>
+</p:sld>
+</file>
+
+<file path=ppt/slides/slide32.xml><?xml version="1.0" encoding="utf-8"?>
+<p:sld xmlns:a="http://schemas.openxmlformats.org/drawingml/2006/main" xmlns:r="http://schemas.openxmlformats.org/officeDocument/2006/relationships" xmlns:p="http://schemas.openxmlformats.org/presentationml/2006/main">
+  <p:cSld>
+    <p:spTree>
+      <p:nvGrpSpPr>
+        <p:cNvPr id="1" name=""/>
+        <p:cNvGrpSpPr/>
+        <p:nvPr/>
+      </p:nvGrpSpPr>
+      <p:grpSpPr>
+        <a:xfrm>
+          <a:off x="0" y="0"/>
+          <a:ext cx="0" cy="0"/>
+          <a:chOff x="0" y="0"/>
+          <a:chExt cx="0" cy="0"/>
+        </a:xfrm>
+      </p:grpSpPr>
+      <p:sp>
+        <p:nvSpPr>
+          <p:cNvPr id="2" name="Título 1"/>
+          <p:cNvSpPr>
+            <a:spLocks noGrp="1"/>
+          </p:cNvSpPr>
+          <p:nvPr>
+            <p:ph type="ctrTitle"/>
+          </p:nvPr>
+        </p:nvSpPr>
+        <p:spPr/>
+        <p:txBody>
+          <a:bodyPr/>
+          <a:lstStyle/>
+          <a:p>
+            <a:r>
+              <a:rPr lang="pt-BR" dirty="0" smtClean="0"/>
+              <a:t>Exercício 014</a:t>
+            </a:r>
+            <a:endParaRPr lang="pt-BR" dirty="0"/>
+          </a:p>
+        </p:txBody>
+      </p:sp>
+      <p:sp>
+        <p:nvSpPr>
+          <p:cNvPr id="3" name="CaixaDeTexto 2"/>
+          <p:cNvSpPr txBox="1"/>
+          <p:nvPr/>
+        </p:nvSpPr>
+        <p:spPr>
+          <a:xfrm>
+            <a:off x="899593" y="2283718"/>
+            <a:ext cx="5472607" cy="738664"/>
+          </a:xfrm>
+          <a:prstGeom prst="rect">
+            <a:avLst/>
+          </a:prstGeom>
+          <a:noFill/>
+        </p:spPr>
+        <p:txBody>
+          <a:bodyPr wrap="square" rtlCol="0">
+            <a:spAutoFit/>
+          </a:bodyPr>
+          <a:lstStyle/>
+          <a:p>
+            <a:r>
+              <a:rPr lang="pt-BR" dirty="0" smtClean="0">
+                <a:solidFill>
+                  <a:schemeClr val="bg1"/>
+                </a:solidFill>
+              </a:rPr>
+              <a:t>Determinar qual é o maior valor entre dois números digitados. Caso sejam iguais escreva “IGUAIS”.</a:t>
+            </a:r>
+          </a:p>
+          <a:p>
+            <a:endParaRPr lang="pt-BR" dirty="0" smtClean="0">
+              <a:solidFill>
+                <a:schemeClr val="bg1"/>
+              </a:solidFill>
+            </a:endParaRPr>
+          </a:p>
+        </p:txBody>
+      </p:sp>
+    </p:spTree>
+  </p:cSld>
+  <p:clrMapOvr>
+    <a:masterClrMapping/>
+  </p:clrMapOvr>
+</p:sld>
+</file>
+
+<file path=ppt/slides/slide33.xml><?xml version="1.0" encoding="utf-8"?>
+<p:sld xmlns:a="http://schemas.openxmlformats.org/drawingml/2006/main" xmlns:r="http://schemas.openxmlformats.org/officeDocument/2006/relationships" xmlns:p="http://schemas.openxmlformats.org/presentationml/2006/main">
+  <p:cSld>
+    <p:spTree>
+      <p:nvGrpSpPr>
+        <p:cNvPr id="1" name=""/>
+        <p:cNvGrpSpPr/>
+        <p:nvPr/>
+      </p:nvGrpSpPr>
+      <p:grpSpPr>
+        <a:xfrm>
+          <a:off x="0" y="0"/>
+          <a:ext cx="0" cy="0"/>
+          <a:chOff x="0" y="0"/>
+          <a:chExt cx="0" cy="0"/>
+        </a:xfrm>
+      </p:grpSpPr>
+      <p:sp>
+        <p:nvSpPr>
+          <p:cNvPr id="2" name="Título 1"/>
+          <p:cNvSpPr>
+            <a:spLocks noGrp="1"/>
+          </p:cNvSpPr>
+          <p:nvPr>
+            <p:ph type="ctrTitle"/>
+          </p:nvPr>
+        </p:nvSpPr>
+        <p:spPr/>
+        <p:txBody>
+          <a:bodyPr/>
+          <a:lstStyle/>
+          <a:p>
+            <a:r>
+              <a:rPr lang="pt-BR" dirty="0" smtClean="0"/>
+              <a:t>Exercício 015</a:t>
+            </a:r>
+            <a:endParaRPr lang="pt-BR" dirty="0"/>
+          </a:p>
+        </p:txBody>
+      </p:sp>
+      <p:sp>
+        <p:nvSpPr>
+          <p:cNvPr id="3" name="CaixaDeTexto 2"/>
+          <p:cNvSpPr txBox="1"/>
+          <p:nvPr/>
+        </p:nvSpPr>
+        <p:spPr>
+          <a:xfrm>
+            <a:off x="899593" y="2283718"/>
+            <a:ext cx="5472607" cy="738664"/>
+          </a:xfrm>
+          <a:prstGeom prst="rect">
+            <a:avLst/>
+          </a:prstGeom>
+          <a:noFill/>
+        </p:spPr>
+        <p:txBody>
+          <a:bodyPr wrap="square" rtlCol="0">
+            <a:spAutoFit/>
+          </a:bodyPr>
+          <a:lstStyle/>
+          <a:p>
+            <a:r>
+              <a:rPr lang="pt-BR" dirty="0" smtClean="0">
+                <a:solidFill>
+                  <a:schemeClr val="bg1"/>
+                </a:solidFill>
+              </a:rPr>
+              <a:t>Faça um programa que leia três números inteiros e coloque-os em ordem crescente.</a:t>
+            </a:r>
+          </a:p>
+          <a:p>
+            <a:endParaRPr lang="pt-BR" dirty="0" smtClean="0">
+              <a:solidFill>
+                <a:schemeClr val="bg1"/>
+              </a:solidFill>
+            </a:endParaRPr>
+          </a:p>
+        </p:txBody>
+      </p:sp>
+    </p:spTree>
+  </p:cSld>
+  <p:clrMapOvr>
+    <a:masterClrMapping/>
+  </p:clrMapOvr>
+</p:sld>
+</file>
+
+<file path=ppt/slides/slide34.xml><?xml version="1.0" encoding="utf-8"?>
+<p:sld xmlns:a="http://schemas.openxmlformats.org/drawingml/2006/main" xmlns:r="http://schemas.openxmlformats.org/officeDocument/2006/relationships" xmlns:p="http://schemas.openxmlformats.org/presentationml/2006/main">
+  <p:cSld>
+    <p:spTree>
+      <p:nvGrpSpPr>
+        <p:cNvPr id="1" name=""/>
+        <p:cNvGrpSpPr/>
+        <p:nvPr/>
+      </p:nvGrpSpPr>
+      <p:grpSpPr>
+        <a:xfrm>
+          <a:off x="0" y="0"/>
+          <a:ext cx="0" cy="0"/>
+          <a:chOff x="0" y="0"/>
+          <a:chExt cx="0" cy="0"/>
+        </a:xfrm>
+      </p:grpSpPr>
+      <p:sp>
+        <p:nvSpPr>
+          <p:cNvPr id="2" name="Título 1"/>
+          <p:cNvSpPr>
+            <a:spLocks noGrp="1"/>
+          </p:cNvSpPr>
+          <p:nvPr>
+            <p:ph type="ctrTitle"/>
+          </p:nvPr>
+        </p:nvSpPr>
+        <p:spPr/>
+        <p:txBody>
+          <a:bodyPr/>
+          <a:lstStyle/>
+          <a:p>
+            <a:r>
+              <a:rPr lang="pt-BR" sz="4800" dirty="0" smtClean="0"/>
+              <a:t>Estrutura caso escolha</a:t>
+            </a:r>
+            <a:endParaRPr lang="pt-BR" sz="4800" dirty="0"/>
+          </a:p>
+        </p:txBody>
+      </p:sp>
+      <p:sp>
+        <p:nvSpPr>
+          <p:cNvPr id="3" name="CaixaDeTexto 2"/>
+          <p:cNvSpPr txBox="1"/>
+          <p:nvPr/>
+        </p:nvSpPr>
+        <p:spPr>
+          <a:xfrm>
+            <a:off x="899593" y="2283718"/>
+            <a:ext cx="5472607" cy="1384995"/>
+          </a:xfrm>
+          <a:prstGeom prst="rect">
+            <a:avLst/>
+          </a:prstGeom>
+          <a:noFill/>
+        </p:spPr>
+        <p:txBody>
+          <a:bodyPr wrap="square" rtlCol="0">
+            <a:spAutoFit/>
+          </a:bodyPr>
+          <a:lstStyle/>
+          <a:p>
+            <a:r>
+              <a:rPr lang="pt-BR" dirty="0" smtClean="0">
+                <a:solidFill>
+                  <a:schemeClr val="bg1"/>
+                </a:solidFill>
+              </a:rPr>
+              <a:t>É onde a escolha do caminho a ser seguido pelo fluxo de controle é feita dependendo do valor de uma expressão do programa e apenas uma das alternativas será executada.</a:t>
+            </a:r>
+          </a:p>
+          <a:p>
+            <a:endParaRPr lang="pt-BR" dirty="0" smtClean="0">
+              <a:solidFill>
+                <a:schemeClr val="bg1"/>
+              </a:solidFill>
+            </a:endParaRPr>
+          </a:p>
+          <a:p>
+            <a:r>
+              <a:rPr lang="pt-BR" dirty="0" smtClean="0">
+                <a:solidFill>
+                  <a:schemeClr val="bg1"/>
+                </a:solidFill>
+              </a:rPr>
+              <a:t>Dica importante: somente utilize números inteiros e letras.</a:t>
+            </a:r>
+            <a:endParaRPr lang="pt-BR" dirty="0" smtClean="0">
+              <a:solidFill>
+                <a:schemeClr val="bg1"/>
+              </a:solidFill>
+            </a:endParaRPr>
+          </a:p>
+          <a:p>
+            <a:endParaRPr lang="pt-BR" dirty="0" smtClean="0">
+              <a:solidFill>
+                <a:schemeClr val="bg1"/>
+              </a:solidFill>
+            </a:endParaRPr>
+          </a:p>
+        </p:txBody>
+      </p:sp>
+    </p:spTree>
+  </p:cSld>
+  <p:clrMapOvr>
+    <a:masterClrMapping/>
+  </p:clrMapOvr>
+</p:sld>
+</file>
+
+<file path=ppt/slides/slide35.xml><?xml version="1.0" encoding="utf-8"?>
+<p:sld xmlns:a="http://schemas.openxmlformats.org/drawingml/2006/main" xmlns:r="http://schemas.openxmlformats.org/officeDocument/2006/relationships" xmlns:p="http://schemas.openxmlformats.org/presentationml/2006/main">
+  <p:cSld>
+    <p:spTree>
+      <p:nvGrpSpPr>
+        <p:cNvPr id="1" name=""/>
+        <p:cNvGrpSpPr/>
+        <p:nvPr/>
+      </p:nvGrpSpPr>
+      <p:grpSpPr>
+        <a:xfrm>
+          <a:off x="0" y="0"/>
+          <a:ext cx="0" cy="0"/>
+          <a:chOff x="0" y="0"/>
+          <a:chExt cx="0" cy="0"/>
+        </a:xfrm>
+      </p:grpSpPr>
+      <p:sp>
+        <p:nvSpPr>
+          <p:cNvPr id="2" name="Título 1"/>
+          <p:cNvSpPr>
+            <a:spLocks noGrp="1"/>
+          </p:cNvSpPr>
+          <p:nvPr>
+            <p:ph type="ctrTitle"/>
+          </p:nvPr>
+        </p:nvSpPr>
+        <p:spPr/>
+        <p:txBody>
+          <a:bodyPr/>
+          <a:lstStyle/>
+          <a:p>
+            <a:r>
+              <a:rPr lang="pt-BR" sz="4800" dirty="0" smtClean="0"/>
+              <a:t>Estrutura caso escolha</a:t>
+            </a:r>
+            <a:endParaRPr lang="pt-BR" sz="4800" dirty="0"/>
+          </a:p>
+        </p:txBody>
+      </p:sp>
+      <p:sp>
+        <p:nvSpPr>
+          <p:cNvPr id="3" name="CaixaDeTexto 2"/>
+          <p:cNvSpPr txBox="1"/>
+          <p:nvPr/>
+        </p:nvSpPr>
+        <p:spPr>
+          <a:xfrm>
+            <a:off x="899593" y="2283718"/>
+            <a:ext cx="5472607" cy="2523768"/>
+          </a:xfrm>
+          <a:prstGeom prst="rect">
+            <a:avLst/>
+          </a:prstGeom>
+          <a:noFill/>
+        </p:spPr>
+        <p:txBody>
+          <a:bodyPr wrap="square" rtlCol="0">
+            <a:spAutoFit/>
+          </a:bodyPr>
+          <a:lstStyle/>
+          <a:p>
+            <a:r>
+              <a:rPr lang="pt-BR" sz="1200" dirty="0" smtClean="0">
+                <a:solidFill>
+                  <a:schemeClr val="bg1"/>
+                </a:solidFill>
+              </a:rPr>
+              <a:t>escolha</a:t>
+            </a:r>
+            <a:r>
+              <a:rPr lang="pt-BR" sz="1200" dirty="0" smtClean="0">
+                <a:solidFill>
+                  <a:schemeClr val="bg1"/>
+                </a:solidFill>
+              </a:rPr>
+              <a:t> (expressão):</a:t>
+            </a:r>
+          </a:p>
+          <a:p>
+            <a:r>
+              <a:rPr lang="pt-BR" sz="1200" dirty="0" smtClean="0">
+                <a:solidFill>
+                  <a:schemeClr val="bg1"/>
+                </a:solidFill>
+              </a:rPr>
+              <a:t>   caso 1:</a:t>
+            </a:r>
+          </a:p>
+          <a:p>
+            <a:r>
+              <a:rPr lang="pt-BR" sz="1200" dirty="0" smtClean="0">
+                <a:solidFill>
+                  <a:schemeClr val="bg1"/>
+                </a:solidFill>
+              </a:rPr>
+              <a:t> </a:t>
+            </a:r>
+            <a:r>
+              <a:rPr lang="pt-BR" sz="1200" dirty="0" smtClean="0">
+                <a:solidFill>
+                  <a:schemeClr val="bg1"/>
+                </a:solidFill>
+              </a:rPr>
+              <a:t>      comando;</a:t>
+            </a:r>
+          </a:p>
+          <a:p>
+            <a:r>
+              <a:rPr lang="pt-BR" sz="1200" dirty="0" smtClean="0">
+                <a:solidFill>
+                  <a:schemeClr val="bg1"/>
+                </a:solidFill>
+              </a:rPr>
+              <a:t> </a:t>
+            </a:r>
+            <a:r>
+              <a:rPr lang="pt-BR" sz="1200" dirty="0" smtClean="0">
+                <a:solidFill>
+                  <a:schemeClr val="bg1"/>
+                </a:solidFill>
+              </a:rPr>
+              <a:t>  caso 2:</a:t>
+            </a:r>
+          </a:p>
+          <a:p>
+            <a:r>
+              <a:rPr lang="pt-BR" sz="1200" dirty="0" smtClean="0">
+                <a:solidFill>
+                  <a:schemeClr val="bg1"/>
+                </a:solidFill>
+              </a:rPr>
+              <a:t> </a:t>
+            </a:r>
+            <a:r>
+              <a:rPr lang="pt-BR" sz="1200" dirty="0" smtClean="0">
+                <a:solidFill>
+                  <a:schemeClr val="bg1"/>
+                </a:solidFill>
+              </a:rPr>
+              <a:t>      comando;</a:t>
+            </a:r>
+          </a:p>
+          <a:p>
+            <a:r>
+              <a:rPr lang="pt-BR" sz="1200" dirty="0" smtClean="0">
+                <a:solidFill>
+                  <a:schemeClr val="bg1"/>
+                </a:solidFill>
+              </a:rPr>
+              <a:t>.</a:t>
+            </a:r>
+          </a:p>
+          <a:p>
+            <a:r>
+              <a:rPr lang="pt-BR" sz="1200" dirty="0" smtClean="0">
+                <a:solidFill>
+                  <a:schemeClr val="bg1"/>
+                </a:solidFill>
+              </a:rPr>
+              <a:t>.</a:t>
+            </a:r>
+          </a:p>
+          <a:p>
+            <a:r>
+              <a:rPr lang="pt-BR" sz="1200" dirty="0" smtClean="0">
+                <a:solidFill>
+                  <a:schemeClr val="bg1"/>
+                </a:solidFill>
+              </a:rPr>
+              <a:t>.</a:t>
+            </a:r>
+          </a:p>
+          <a:p>
+            <a:r>
+              <a:rPr lang="pt-BR" sz="1200" dirty="0" smtClean="0">
+                <a:solidFill>
+                  <a:schemeClr val="bg1"/>
+                </a:solidFill>
+              </a:rPr>
+              <a:t> </a:t>
+            </a:r>
+            <a:r>
+              <a:rPr lang="pt-BR" sz="1200" dirty="0" smtClean="0">
+                <a:solidFill>
+                  <a:schemeClr val="bg1"/>
+                </a:solidFill>
+              </a:rPr>
+              <a:t>  caso n:</a:t>
+            </a:r>
+          </a:p>
+          <a:p>
+            <a:r>
+              <a:rPr lang="pt-BR" sz="1200" dirty="0" smtClean="0">
+                <a:solidFill>
+                  <a:schemeClr val="bg1"/>
+                </a:solidFill>
+              </a:rPr>
+              <a:t> </a:t>
+            </a:r>
+            <a:r>
+              <a:rPr lang="pt-BR" sz="1200" dirty="0" smtClean="0">
+                <a:solidFill>
+                  <a:schemeClr val="bg1"/>
+                </a:solidFill>
+              </a:rPr>
+              <a:t>      comando;</a:t>
+            </a:r>
+          </a:p>
+          <a:p>
+            <a:r>
+              <a:rPr lang="pt-BR" sz="1200" dirty="0" smtClean="0">
+                <a:solidFill>
+                  <a:schemeClr val="bg1"/>
+                </a:solidFill>
+              </a:rPr>
+              <a:t> </a:t>
+            </a:r>
+            <a:r>
+              <a:rPr lang="pt-BR" sz="1200" dirty="0" smtClean="0">
+                <a:solidFill>
+                  <a:schemeClr val="bg1"/>
+                </a:solidFill>
+              </a:rPr>
+              <a:t>  </a:t>
+            </a:r>
+            <a:r>
+              <a:rPr lang="pt-BR" sz="1200" dirty="0" err="1" smtClean="0">
+                <a:solidFill>
+                  <a:schemeClr val="bg1"/>
+                </a:solidFill>
+              </a:rPr>
+              <a:t>outrocaso</a:t>
+            </a:r>
+            <a:r>
+              <a:rPr lang="pt-BR" sz="1200" dirty="0" smtClean="0">
+                <a:solidFill>
+                  <a:schemeClr val="bg1"/>
+                </a:solidFill>
+              </a:rPr>
+              <a:t>: </a:t>
+            </a:r>
+          </a:p>
+          <a:p>
+            <a:r>
+              <a:rPr lang="pt-BR" sz="1200" dirty="0" smtClean="0">
+                <a:solidFill>
+                  <a:schemeClr val="bg1"/>
+                </a:solidFill>
+              </a:rPr>
+              <a:t> </a:t>
+            </a:r>
+            <a:r>
+              <a:rPr lang="pt-BR" sz="1200" dirty="0" smtClean="0">
+                <a:solidFill>
+                  <a:schemeClr val="bg1"/>
+                </a:solidFill>
+              </a:rPr>
+              <a:t>      comando;</a:t>
+            </a:r>
+          </a:p>
+          <a:p>
+            <a:r>
+              <a:rPr lang="pt-BR" sz="1200" dirty="0" err="1" smtClean="0">
+                <a:solidFill>
+                  <a:schemeClr val="bg1"/>
+                </a:solidFill>
+              </a:rPr>
+              <a:t>Fimescolha</a:t>
+            </a:r>
+            <a:r>
+              <a:rPr lang="pt-BR" sz="1200" dirty="0" smtClean="0">
+                <a:solidFill>
+                  <a:schemeClr val="bg1"/>
+                </a:solidFill>
+              </a:rPr>
+              <a:t>;</a:t>
+            </a:r>
+            <a:endParaRPr lang="pt-BR" sz="1200" dirty="0" smtClean="0">
+              <a:solidFill>
+                <a:schemeClr val="bg1"/>
+              </a:solidFill>
+            </a:endParaRPr>
+          </a:p>
+        </p:txBody>
+      </p:sp>
+    </p:spTree>
+  </p:cSld>
+  <p:clrMapOvr>
+    <a:masterClrMapping/>
+  </p:clrMapOvr>
+</p:sld>
+</file>
+
+<file path=ppt/slides/slide36.xml><?xml version="1.0" encoding="utf-8"?>
+<p:sld xmlns:a="http://schemas.openxmlformats.org/drawingml/2006/main" xmlns:r="http://schemas.openxmlformats.org/officeDocument/2006/relationships" xmlns:p="http://schemas.openxmlformats.org/presentationml/2006/main">
+  <p:cSld>
+    <p:spTree>
+      <p:nvGrpSpPr>
+        <p:cNvPr id="1" name=""/>
+        <p:cNvGrpSpPr/>
+        <p:nvPr/>
+      </p:nvGrpSpPr>
+      <p:grpSpPr>
+        <a:xfrm>
+          <a:off x="0" y="0"/>
+          <a:ext cx="0" cy="0"/>
+          <a:chOff x="0" y="0"/>
+          <a:chExt cx="0" cy="0"/>
+        </a:xfrm>
+      </p:grpSpPr>
+      <p:sp>
+        <p:nvSpPr>
+          <p:cNvPr id="2" name="Título 1"/>
+          <p:cNvSpPr>
+            <a:spLocks noGrp="1"/>
+          </p:cNvSpPr>
+          <p:nvPr>
+            <p:ph type="ctrTitle"/>
+          </p:nvPr>
+        </p:nvSpPr>
+        <p:spPr/>
+        <p:txBody>
+          <a:bodyPr/>
+          <a:lstStyle/>
+          <a:p>
+            <a:r>
+              <a:rPr lang="pt-BR" dirty="0" smtClean="0"/>
+              <a:t>Exercício </a:t>
+            </a:r>
+            <a:r>
+              <a:rPr lang="pt-BR" dirty="0" smtClean="0"/>
+              <a:t>016</a:t>
+            </a:r>
+            <a:endParaRPr lang="pt-BR" dirty="0"/>
+          </a:p>
+        </p:txBody>
+      </p:sp>
+      <p:sp>
+        <p:nvSpPr>
+          <p:cNvPr id="3" name="CaixaDeTexto 2"/>
+          <p:cNvSpPr txBox="1"/>
+          <p:nvPr/>
+        </p:nvSpPr>
+        <p:spPr>
+          <a:xfrm>
+            <a:off x="899593" y="2283718"/>
+            <a:ext cx="5472607" cy="1384995"/>
+          </a:xfrm>
+          <a:prstGeom prst="rect">
+            <a:avLst/>
+          </a:prstGeom>
+          <a:noFill/>
+        </p:spPr>
+        <p:txBody>
+          <a:bodyPr wrap="square" rtlCol="0">
+            <a:spAutoFit/>
+          </a:bodyPr>
+          <a:lstStyle/>
+          <a:p>
+            <a:r>
+              <a:rPr lang="pt-BR" dirty="0" smtClean="0">
+                <a:solidFill>
+                  <a:schemeClr val="bg1"/>
+                </a:solidFill>
+              </a:rPr>
+              <a:t>Faça um programa que </a:t>
+            </a:r>
+            <a:r>
+              <a:rPr lang="pt-BR" dirty="0" smtClean="0">
+                <a:solidFill>
+                  <a:schemeClr val="bg1"/>
+                </a:solidFill>
+              </a:rPr>
+              <a:t>apresente um menu de opções para o usuário para ele escolher qual área das seguintes formas geométricas deseja calcular: 1 - Quadrado, 2 - Retângulo, </a:t>
+            </a:r>
+          </a:p>
+          <a:p>
+            <a:r>
+              <a:rPr lang="pt-BR" dirty="0" smtClean="0">
+                <a:solidFill>
+                  <a:schemeClr val="bg1"/>
+                </a:solidFill>
+              </a:rPr>
+              <a:t>3 - Círculo e 4 - Triângulo. A partir da escolha deve ser feita a leitura das variáveis e apresentar a área do objeto escolhido.</a:t>
+            </a:r>
+            <a:endParaRPr lang="pt-BR" dirty="0" smtClean="0">
+              <a:solidFill>
+                <a:schemeClr val="bg1"/>
+              </a:solidFill>
+            </a:endParaRPr>
+          </a:p>
+          <a:p>
+            <a:endParaRPr lang="pt-BR" dirty="0" smtClean="0">
+              <a:solidFill>
+                <a:schemeClr val="bg1"/>
+              </a:solidFill>
+            </a:endParaRPr>
+          </a:p>
+        </p:txBody>
+      </p:sp>
+    </p:spTree>
+  </p:cSld>
+  <p:clrMapOvr>
+    <a:masterClrMapping/>
+  </p:clrMapOvr>
 </p:sld>
 </file>
 
